--- a/topology.pptx
+++ b/topology.pptx
@@ -6,6 +6,8 @@
   </p:sldMasterIdLst>
   <p:sldIdLst>
     <p:sldId id="257" r:id="rId2"/>
+    <p:sldId id="259" r:id="rId3"/>
+    <p:sldId id="258" r:id="rId4"/>
   </p:sldIdLst>
   <p:sldSz cx="9144000" cy="6858000" type="screen4x3"/>
   <p:notesSz cx="6858000" cy="9144000"/>
@@ -104,6 +106,22 @@
       </a:defRPr>
     </a:lvl9pPr>
   </p:defaultTextStyle>
+  <p:extLst>
+    <p:ext uri="{EFAFB233-063F-42B5-8137-9DF3F51BA10A}">
+      <p15:sldGuideLst xmlns:p15="http://schemas.microsoft.com/office/powerpoint/2012/main">
+        <p15:guide id="1" orient="horz" pos="2160">
+          <p15:clr>
+            <a:srgbClr val="A4A3A4"/>
+          </p15:clr>
+        </p15:guide>
+        <p15:guide id="2" pos="2880">
+          <p15:clr>
+            <a:srgbClr val="A4A3A4"/>
+          </p15:clr>
+        </p15:guide>
+      </p15:sldGuideLst>
+    </p:ext>
+  </p:extLst>
 </p:presentation>
 </file>
 
@@ -288,7 +306,7 @@
           <a:p>
             <a:fld id="{A222DB3E-AEB1-4E42-A4B1-8D8670E3E983}" type="datetimeFigureOut">
               <a:rPr lang="en-US" smtClean="0"/>
-              <a:t>3/30/2015</a:t>
+              <a:t>5/18/2015</a:t>
             </a:fld>
             <a:endParaRPr lang="en-US"/>
           </a:p>
@@ -458,7 +476,7 @@
           <a:p>
             <a:fld id="{A222DB3E-AEB1-4E42-A4B1-8D8670E3E983}" type="datetimeFigureOut">
               <a:rPr lang="en-US" smtClean="0"/>
-              <a:t>3/30/2015</a:t>
+              <a:t>5/18/2015</a:t>
             </a:fld>
             <a:endParaRPr lang="en-US"/>
           </a:p>
@@ -638,7 +656,7 @@
           <a:p>
             <a:fld id="{A222DB3E-AEB1-4E42-A4B1-8D8670E3E983}" type="datetimeFigureOut">
               <a:rPr lang="en-US" smtClean="0"/>
-              <a:t>3/30/2015</a:t>
+              <a:t>5/18/2015</a:t>
             </a:fld>
             <a:endParaRPr lang="en-US"/>
           </a:p>
@@ -808,7 +826,7 @@
           <a:p>
             <a:fld id="{A222DB3E-AEB1-4E42-A4B1-8D8670E3E983}" type="datetimeFigureOut">
               <a:rPr lang="en-US" smtClean="0"/>
-              <a:t>3/30/2015</a:t>
+              <a:t>5/18/2015</a:t>
             </a:fld>
             <a:endParaRPr lang="en-US"/>
           </a:p>
@@ -1054,7 +1072,7 @@
           <a:p>
             <a:fld id="{A222DB3E-AEB1-4E42-A4B1-8D8670E3E983}" type="datetimeFigureOut">
               <a:rPr lang="en-US" smtClean="0"/>
-              <a:t>3/30/2015</a:t>
+              <a:t>5/18/2015</a:t>
             </a:fld>
             <a:endParaRPr lang="en-US"/>
           </a:p>
@@ -1342,7 +1360,7 @@
           <a:p>
             <a:fld id="{A222DB3E-AEB1-4E42-A4B1-8D8670E3E983}" type="datetimeFigureOut">
               <a:rPr lang="en-US" smtClean="0"/>
-              <a:t>3/30/2015</a:t>
+              <a:t>5/18/2015</a:t>
             </a:fld>
             <a:endParaRPr lang="en-US"/>
           </a:p>
@@ -1764,7 +1782,7 @@
           <a:p>
             <a:fld id="{A222DB3E-AEB1-4E42-A4B1-8D8670E3E983}" type="datetimeFigureOut">
               <a:rPr lang="en-US" smtClean="0"/>
-              <a:t>3/30/2015</a:t>
+              <a:t>5/18/2015</a:t>
             </a:fld>
             <a:endParaRPr lang="en-US"/>
           </a:p>
@@ -1882,7 +1900,7 @@
           <a:p>
             <a:fld id="{A222DB3E-AEB1-4E42-A4B1-8D8670E3E983}" type="datetimeFigureOut">
               <a:rPr lang="en-US" smtClean="0"/>
-              <a:t>3/30/2015</a:t>
+              <a:t>5/18/2015</a:t>
             </a:fld>
             <a:endParaRPr lang="en-US"/>
           </a:p>
@@ -1977,7 +1995,7 @@
           <a:p>
             <a:fld id="{A222DB3E-AEB1-4E42-A4B1-8D8670E3E983}" type="datetimeFigureOut">
               <a:rPr lang="en-US" smtClean="0"/>
-              <a:t>3/30/2015</a:t>
+              <a:t>5/18/2015</a:t>
             </a:fld>
             <a:endParaRPr lang="en-US"/>
           </a:p>
@@ -2254,7 +2272,7 @@
           <a:p>
             <a:fld id="{A222DB3E-AEB1-4E42-A4B1-8D8670E3E983}" type="datetimeFigureOut">
               <a:rPr lang="en-US" smtClean="0"/>
-              <a:t>3/30/2015</a:t>
+              <a:t>5/18/2015</a:t>
             </a:fld>
             <a:endParaRPr lang="en-US"/>
           </a:p>
@@ -2507,7 +2525,7 @@
           <a:p>
             <a:fld id="{A222DB3E-AEB1-4E42-A4B1-8D8670E3E983}" type="datetimeFigureOut">
               <a:rPr lang="en-US" smtClean="0"/>
-              <a:t>3/30/2015</a:t>
+              <a:t>5/18/2015</a:t>
             </a:fld>
             <a:endParaRPr lang="en-US"/>
           </a:p>
@@ -2720,7 +2738,7 @@
           <a:p>
             <a:fld id="{A222DB3E-AEB1-4E42-A4B1-8D8670E3E983}" type="datetimeFigureOut">
               <a:rPr lang="en-US" smtClean="0"/>
-              <a:t>3/30/2015</a:t>
+              <a:t>5/18/2015</a:t>
             </a:fld>
             <a:endParaRPr lang="en-US"/>
           </a:p>
@@ -5699,6 +5717,3345 @@
 </p:sld>
 </file>
 
+<file path=ppt/slides/slide2.xml><?xml version="1.0" encoding="utf-8"?>
+<p:sld xmlns:a="http://schemas.openxmlformats.org/drawingml/2006/main" xmlns:r="http://schemas.openxmlformats.org/officeDocument/2006/relationships" xmlns:p="http://schemas.openxmlformats.org/presentationml/2006/main">
+  <p:cSld>
+    <p:spTree>
+      <p:nvGrpSpPr>
+        <p:cNvPr id="1" name=""/>
+        <p:cNvGrpSpPr/>
+        <p:nvPr/>
+      </p:nvGrpSpPr>
+      <p:grpSpPr>
+        <a:xfrm>
+          <a:off x="0" y="0"/>
+          <a:ext cx="0" cy="0"/>
+          <a:chOff x="0" y="0"/>
+          <a:chExt cx="0" cy="0"/>
+        </a:xfrm>
+      </p:grpSpPr>
+      <p:pic>
+        <p:nvPicPr>
+          <p:cNvPr id="2" name="Picture 1"/>
+          <p:cNvPicPr>
+            <a:picLocks noChangeAspect="1"/>
+          </p:cNvPicPr>
+          <p:nvPr/>
+        </p:nvPicPr>
+        <p:blipFill rotWithShape="1">
+          <a:blip r:embed="rId2">
+            <a:extLst>
+              <a:ext uri="{28A0092B-C50C-407E-A947-70E740481C1C}">
+                <a14:useLocalDpi xmlns:a14="http://schemas.microsoft.com/office/drawing/2010/main" val="0"/>
+              </a:ext>
+            </a:extLst>
+          </a:blip>
+          <a:srcRect l="33477" t="14304" r="33046" b="25025"/>
+          <a:stretch/>
+        </p:blipFill>
+        <p:spPr>
+          <a:xfrm>
+            <a:off x="1247026" y="2766751"/>
+            <a:ext cx="762000" cy="1219200"/>
+          </a:xfrm>
+          <a:prstGeom prst="rect">
+            <a:avLst/>
+          </a:prstGeom>
+          <a:scene3d>
+            <a:camera prst="orthographicFront">
+              <a:rot lat="2100000" lon="18900000" rev="0"/>
+            </a:camera>
+            <a:lightRig rig="threePt" dir="t"/>
+          </a:scene3d>
+        </p:spPr>
+      </p:pic>
+      <p:sp>
+        <p:nvSpPr>
+          <p:cNvPr id="113" name="Rectangle 112"/>
+          <p:cNvSpPr/>
+          <p:nvPr/>
+        </p:nvSpPr>
+        <p:spPr>
+          <a:xfrm>
+            <a:off x="5632704" y="2837573"/>
+            <a:ext cx="542639" cy="539751"/>
+          </a:xfrm>
+          <a:prstGeom prst="rect">
+            <a:avLst/>
+          </a:prstGeom>
+          <a:solidFill>
+            <a:schemeClr val="bg1"/>
+          </a:solidFill>
+          <a:ln w="12700">
+            <a:solidFill>
+              <a:schemeClr val="tx1"/>
+            </a:solidFill>
+          </a:ln>
+          <a:scene3d>
+            <a:camera prst="orthographicFront"/>
+            <a:lightRig rig="threePt" dir="t"/>
+          </a:scene3d>
+          <a:sp3d>
+            <a:bevelB w="139700" h="101600"/>
+          </a:sp3d>
+        </p:spPr>
+        <p:style>
+          <a:lnRef idx="2">
+            <a:schemeClr val="accent1">
+              <a:shade val="50000"/>
+            </a:schemeClr>
+          </a:lnRef>
+          <a:fillRef idx="1">
+            <a:schemeClr val="accent1"/>
+          </a:fillRef>
+          <a:effectRef idx="0">
+            <a:schemeClr val="accent1"/>
+          </a:effectRef>
+          <a:fontRef idx="minor">
+            <a:schemeClr val="lt1"/>
+          </a:fontRef>
+        </p:style>
+        <p:txBody>
+          <a:bodyPr rtlCol="0" anchor="ctr"/>
+          <a:lstStyle/>
+          <a:p>
+            <a:pPr algn="ctr"/>
+            <a:endParaRPr lang="en-US" sz="700" dirty="0">
+              <a:solidFill>
+                <a:schemeClr val="tx1"/>
+              </a:solidFill>
+            </a:endParaRPr>
+          </a:p>
+        </p:txBody>
+      </p:sp>
+      <p:sp>
+        <p:nvSpPr>
+          <p:cNvPr id="114" name="Rectangle 113"/>
+          <p:cNvSpPr/>
+          <p:nvPr/>
+        </p:nvSpPr>
+        <p:spPr>
+          <a:xfrm>
+            <a:off x="5632704" y="2889249"/>
+            <a:ext cx="542639" cy="539751"/>
+          </a:xfrm>
+          <a:prstGeom prst="rect">
+            <a:avLst/>
+          </a:prstGeom>
+          <a:solidFill>
+            <a:schemeClr val="bg1"/>
+          </a:solidFill>
+          <a:ln w="12700">
+            <a:solidFill>
+              <a:schemeClr val="tx1"/>
+            </a:solidFill>
+          </a:ln>
+          <a:scene3d>
+            <a:camera prst="orthographicFront"/>
+            <a:lightRig rig="threePt" dir="t"/>
+          </a:scene3d>
+          <a:sp3d>
+            <a:bevelB w="139700" h="101600"/>
+          </a:sp3d>
+        </p:spPr>
+        <p:style>
+          <a:lnRef idx="2">
+            <a:schemeClr val="accent1">
+              <a:shade val="50000"/>
+            </a:schemeClr>
+          </a:lnRef>
+          <a:fillRef idx="1">
+            <a:schemeClr val="accent1"/>
+          </a:fillRef>
+          <a:effectRef idx="0">
+            <a:schemeClr val="accent1"/>
+          </a:effectRef>
+          <a:fontRef idx="minor">
+            <a:schemeClr val="lt1"/>
+          </a:fontRef>
+        </p:style>
+        <p:txBody>
+          <a:bodyPr rtlCol="0" anchor="ctr"/>
+          <a:lstStyle/>
+          <a:p>
+            <a:pPr algn="ctr"/>
+            <a:endParaRPr lang="en-US" sz="700" dirty="0">
+              <a:solidFill>
+                <a:schemeClr val="tx1"/>
+              </a:solidFill>
+            </a:endParaRPr>
+          </a:p>
+        </p:txBody>
+      </p:sp>
+      <p:sp>
+        <p:nvSpPr>
+          <p:cNvPr id="115" name="Rectangle 114"/>
+          <p:cNvSpPr/>
+          <p:nvPr/>
+        </p:nvSpPr>
+        <p:spPr>
+          <a:xfrm>
+            <a:off x="5632704" y="2926080"/>
+            <a:ext cx="542639" cy="539751"/>
+          </a:xfrm>
+          <a:prstGeom prst="rect">
+            <a:avLst/>
+          </a:prstGeom>
+          <a:solidFill>
+            <a:schemeClr val="bg1"/>
+          </a:solidFill>
+          <a:ln w="12700">
+            <a:solidFill>
+              <a:schemeClr val="tx1"/>
+            </a:solidFill>
+          </a:ln>
+          <a:scene3d>
+            <a:camera prst="orthographicFront"/>
+            <a:lightRig rig="threePt" dir="t"/>
+          </a:scene3d>
+          <a:sp3d>
+            <a:bevelB w="139700" h="101600"/>
+          </a:sp3d>
+        </p:spPr>
+        <p:style>
+          <a:lnRef idx="2">
+            <a:schemeClr val="accent1">
+              <a:shade val="50000"/>
+            </a:schemeClr>
+          </a:lnRef>
+          <a:fillRef idx="1">
+            <a:schemeClr val="accent1"/>
+          </a:fillRef>
+          <a:effectRef idx="0">
+            <a:schemeClr val="accent1"/>
+          </a:effectRef>
+          <a:fontRef idx="minor">
+            <a:schemeClr val="lt1"/>
+          </a:fontRef>
+        </p:style>
+        <p:txBody>
+          <a:bodyPr rtlCol="0" anchor="ctr"/>
+          <a:lstStyle/>
+          <a:p>
+            <a:pPr algn="ctr"/>
+            <a:endParaRPr lang="en-US" sz="700" dirty="0">
+              <a:solidFill>
+                <a:schemeClr val="tx1"/>
+              </a:solidFill>
+            </a:endParaRPr>
+          </a:p>
+        </p:txBody>
+      </p:sp>
+      <p:sp>
+        <p:nvSpPr>
+          <p:cNvPr id="112" name="Rectangle 111"/>
+          <p:cNvSpPr/>
+          <p:nvPr/>
+        </p:nvSpPr>
+        <p:spPr>
+          <a:xfrm>
+            <a:off x="3877056" y="2926080"/>
+            <a:ext cx="542639" cy="539751"/>
+          </a:xfrm>
+          <a:prstGeom prst="rect">
+            <a:avLst/>
+          </a:prstGeom>
+          <a:solidFill>
+            <a:schemeClr val="bg1"/>
+          </a:solidFill>
+          <a:ln w="12700">
+            <a:solidFill>
+              <a:schemeClr val="tx1"/>
+            </a:solidFill>
+          </a:ln>
+          <a:scene3d>
+            <a:camera prst="orthographicFront"/>
+            <a:lightRig rig="threePt" dir="t"/>
+          </a:scene3d>
+          <a:sp3d>
+            <a:bevelB w="139700" h="101600"/>
+          </a:sp3d>
+        </p:spPr>
+        <p:style>
+          <a:lnRef idx="2">
+            <a:schemeClr val="accent1">
+              <a:shade val="50000"/>
+            </a:schemeClr>
+          </a:lnRef>
+          <a:fillRef idx="1">
+            <a:schemeClr val="accent1"/>
+          </a:fillRef>
+          <a:effectRef idx="0">
+            <a:schemeClr val="accent1"/>
+          </a:effectRef>
+          <a:fontRef idx="minor">
+            <a:schemeClr val="lt1"/>
+          </a:fontRef>
+        </p:style>
+        <p:txBody>
+          <a:bodyPr rtlCol="0" anchor="ctr"/>
+          <a:lstStyle/>
+          <a:p>
+            <a:pPr algn="ctr"/>
+            <a:endParaRPr lang="en-US" sz="700" dirty="0">
+              <a:solidFill>
+                <a:schemeClr val="tx1"/>
+              </a:solidFill>
+            </a:endParaRPr>
+          </a:p>
+        </p:txBody>
+      </p:sp>
+      <p:sp>
+        <p:nvSpPr>
+          <p:cNvPr id="7" name="Rectangle 6"/>
+          <p:cNvSpPr/>
+          <p:nvPr/>
+        </p:nvSpPr>
+        <p:spPr>
+          <a:xfrm>
+            <a:off x="2133599" y="2954073"/>
+            <a:ext cx="542639" cy="539751"/>
+          </a:xfrm>
+          <a:prstGeom prst="rect">
+            <a:avLst/>
+          </a:prstGeom>
+          <a:solidFill>
+            <a:schemeClr val="bg1"/>
+          </a:solidFill>
+          <a:ln w="12700">
+            <a:solidFill>
+              <a:schemeClr val="tx1"/>
+            </a:solidFill>
+          </a:ln>
+          <a:scene3d>
+            <a:camera prst="orthographicFront"/>
+            <a:lightRig rig="threePt" dir="t"/>
+          </a:scene3d>
+          <a:sp3d>
+            <a:bevelB w="139700" h="101600"/>
+          </a:sp3d>
+        </p:spPr>
+        <p:style>
+          <a:lnRef idx="2">
+            <a:schemeClr val="accent1">
+              <a:shade val="50000"/>
+            </a:schemeClr>
+          </a:lnRef>
+          <a:fillRef idx="1">
+            <a:schemeClr val="accent1"/>
+          </a:fillRef>
+          <a:effectRef idx="0">
+            <a:schemeClr val="accent1"/>
+          </a:effectRef>
+          <a:fontRef idx="minor">
+            <a:schemeClr val="lt1"/>
+          </a:fontRef>
+        </p:style>
+        <p:txBody>
+          <a:bodyPr rtlCol="0" anchor="ctr"/>
+          <a:lstStyle/>
+          <a:p>
+            <a:pPr algn="ctr"/>
+            <a:endParaRPr lang="en-US" sz="700" dirty="0">
+              <a:solidFill>
+                <a:schemeClr val="tx1"/>
+              </a:solidFill>
+            </a:endParaRPr>
+          </a:p>
+        </p:txBody>
+      </p:sp>
+      <p:sp>
+        <p:nvSpPr>
+          <p:cNvPr id="8" name="Rectangle 7"/>
+          <p:cNvSpPr/>
+          <p:nvPr/>
+        </p:nvSpPr>
+        <p:spPr>
+          <a:xfrm>
+            <a:off x="2133599" y="3005749"/>
+            <a:ext cx="542639" cy="539751"/>
+          </a:xfrm>
+          <a:prstGeom prst="rect">
+            <a:avLst/>
+          </a:prstGeom>
+          <a:solidFill>
+            <a:schemeClr val="bg1"/>
+          </a:solidFill>
+          <a:ln w="12700">
+            <a:solidFill>
+              <a:schemeClr val="tx1"/>
+            </a:solidFill>
+          </a:ln>
+          <a:scene3d>
+            <a:camera prst="orthographicFront"/>
+            <a:lightRig rig="threePt" dir="t"/>
+          </a:scene3d>
+          <a:sp3d>
+            <a:bevelB w="139700" h="101600"/>
+          </a:sp3d>
+        </p:spPr>
+        <p:style>
+          <a:lnRef idx="2">
+            <a:schemeClr val="accent1">
+              <a:shade val="50000"/>
+            </a:schemeClr>
+          </a:lnRef>
+          <a:fillRef idx="1">
+            <a:schemeClr val="accent1"/>
+          </a:fillRef>
+          <a:effectRef idx="0">
+            <a:schemeClr val="accent1"/>
+          </a:effectRef>
+          <a:fontRef idx="minor">
+            <a:schemeClr val="lt1"/>
+          </a:fontRef>
+        </p:style>
+        <p:txBody>
+          <a:bodyPr rtlCol="0" anchor="ctr"/>
+          <a:lstStyle/>
+          <a:p>
+            <a:pPr algn="ctr"/>
+            <a:endParaRPr lang="en-US" sz="700" dirty="0">
+              <a:solidFill>
+                <a:schemeClr val="tx1"/>
+              </a:solidFill>
+            </a:endParaRPr>
+          </a:p>
+        </p:txBody>
+      </p:sp>
+      <p:sp>
+        <p:nvSpPr>
+          <p:cNvPr id="4" name="Rectangle 3"/>
+          <p:cNvSpPr/>
+          <p:nvPr/>
+        </p:nvSpPr>
+        <p:spPr>
+          <a:xfrm>
+            <a:off x="2133599" y="3048000"/>
+            <a:ext cx="542639" cy="539751"/>
+          </a:xfrm>
+          <a:prstGeom prst="rect">
+            <a:avLst/>
+          </a:prstGeom>
+          <a:solidFill>
+            <a:schemeClr val="bg1"/>
+          </a:solidFill>
+          <a:ln w="12700">
+            <a:solidFill>
+              <a:schemeClr val="tx1"/>
+            </a:solidFill>
+          </a:ln>
+          <a:scene3d>
+            <a:camera prst="orthographicFront"/>
+            <a:lightRig rig="threePt" dir="t"/>
+          </a:scene3d>
+          <a:sp3d>
+            <a:bevelB w="139700" h="101600"/>
+          </a:sp3d>
+        </p:spPr>
+        <p:style>
+          <a:lnRef idx="2">
+            <a:schemeClr val="accent1">
+              <a:shade val="50000"/>
+            </a:schemeClr>
+          </a:lnRef>
+          <a:fillRef idx="1">
+            <a:schemeClr val="accent1"/>
+          </a:fillRef>
+          <a:effectRef idx="0">
+            <a:schemeClr val="accent1"/>
+          </a:effectRef>
+          <a:fontRef idx="minor">
+            <a:schemeClr val="lt1"/>
+          </a:fontRef>
+        </p:style>
+        <p:txBody>
+          <a:bodyPr rtlCol="0" anchor="ctr"/>
+          <a:lstStyle/>
+          <a:p>
+            <a:pPr algn="ctr"/>
+            <a:r>
+              <a:rPr lang="en-US" sz="800" dirty="0">
+                <a:solidFill>
+                  <a:schemeClr val="tx1"/>
+                </a:solidFill>
+              </a:rPr>
+              <a:t>3</a:t>
+            </a:r>
+            <a:r>
+              <a:rPr lang="en-US" sz="800" dirty="0" smtClean="0">
+                <a:solidFill>
+                  <a:schemeClr val="tx1"/>
+                </a:solidFill>
+              </a:rPr>
+              <a:t>0</a:t>
+            </a:r>
+            <a:endParaRPr lang="en-US" sz="800" dirty="0" smtClean="0">
+              <a:solidFill>
+                <a:schemeClr val="tx1"/>
+              </a:solidFill>
+            </a:endParaRPr>
+          </a:p>
+          <a:p>
+            <a:pPr algn="ctr"/>
+            <a:r>
+              <a:rPr lang="en-US" sz="800" dirty="0">
+                <a:solidFill>
+                  <a:schemeClr val="tx1"/>
+                </a:solidFill>
+              </a:rPr>
+              <a:t>4</a:t>
+            </a:r>
+            <a:r>
+              <a:rPr lang="en-US" sz="800" dirty="0" smtClean="0">
+                <a:solidFill>
+                  <a:schemeClr val="tx1"/>
+                </a:solidFill>
+              </a:rPr>
+              <a:t>x4x1</a:t>
+            </a:r>
+            <a:endParaRPr lang="en-US" sz="800" dirty="0" smtClean="0">
+              <a:solidFill>
+                <a:schemeClr val="tx1"/>
+              </a:solidFill>
+            </a:endParaRPr>
+          </a:p>
+        </p:txBody>
+      </p:sp>
+      <p:sp>
+        <p:nvSpPr>
+          <p:cNvPr id="5" name="Rectangle 4"/>
+          <p:cNvSpPr/>
+          <p:nvPr/>
+        </p:nvSpPr>
+        <p:spPr>
+          <a:xfrm>
+            <a:off x="1659031" y="3099676"/>
+            <a:ext cx="182537" cy="206302"/>
+          </a:xfrm>
+          <a:prstGeom prst="rect">
+            <a:avLst/>
+          </a:prstGeom>
+          <a:scene3d>
+            <a:camera prst="isometricOffAxis2Right"/>
+            <a:lightRig rig="threePt" dir="t"/>
+          </a:scene3d>
+        </p:spPr>
+        <p:style>
+          <a:lnRef idx="2">
+            <a:schemeClr val="accent1">
+              <a:shade val="50000"/>
+            </a:schemeClr>
+          </a:lnRef>
+          <a:fillRef idx="1">
+            <a:schemeClr val="accent1"/>
+          </a:fillRef>
+          <a:effectRef idx="0">
+            <a:schemeClr val="accent1"/>
+          </a:effectRef>
+          <a:fontRef idx="minor">
+            <a:schemeClr val="lt1"/>
+          </a:fontRef>
+        </p:style>
+        <p:txBody>
+          <a:bodyPr rtlCol="0" anchor="ctr"/>
+          <a:lstStyle/>
+          <a:p>
+            <a:pPr algn="ctr"/>
+            <a:endParaRPr lang="en-US"/>
+          </a:p>
+        </p:txBody>
+      </p:sp>
+      <p:cxnSp>
+        <p:nvCxnSpPr>
+          <p:cNvPr id="10" name="Straight Connector 9"/>
+          <p:cNvCxnSpPr>
+            <a:stCxn id="5" idx="2"/>
+          </p:cNvCxnSpPr>
+          <p:nvPr/>
+        </p:nvCxnSpPr>
+        <p:spPr>
+          <a:xfrm>
+            <a:off x="1750300" y="3305978"/>
+            <a:ext cx="383300" cy="140747"/>
+          </a:xfrm>
+          <a:prstGeom prst="line">
+            <a:avLst/>
+          </a:prstGeom>
+        </p:spPr>
+        <p:style>
+          <a:lnRef idx="1">
+            <a:schemeClr val="accent1"/>
+          </a:lnRef>
+          <a:fillRef idx="0">
+            <a:schemeClr val="accent1"/>
+          </a:fillRef>
+          <a:effectRef idx="0">
+            <a:schemeClr val="accent1"/>
+          </a:effectRef>
+          <a:fontRef idx="minor">
+            <a:schemeClr val="tx1"/>
+          </a:fontRef>
+        </p:style>
+      </p:cxnSp>
+      <p:cxnSp>
+        <p:nvCxnSpPr>
+          <p:cNvPr id="12" name="Straight Connector 11"/>
+          <p:cNvCxnSpPr>
+            <a:stCxn id="5" idx="0"/>
+          </p:cNvCxnSpPr>
+          <p:nvPr/>
+        </p:nvCxnSpPr>
+        <p:spPr>
+          <a:xfrm flipV="1">
+            <a:off x="1750300" y="3048002"/>
+            <a:ext cx="383300" cy="51674"/>
+          </a:xfrm>
+          <a:prstGeom prst="line">
+            <a:avLst/>
+          </a:prstGeom>
+        </p:spPr>
+        <p:style>
+          <a:lnRef idx="1">
+            <a:schemeClr val="accent1"/>
+          </a:lnRef>
+          <a:fillRef idx="0">
+            <a:schemeClr val="accent1"/>
+          </a:fillRef>
+          <a:effectRef idx="0">
+            <a:schemeClr val="accent1"/>
+          </a:effectRef>
+          <a:fontRef idx="minor">
+            <a:schemeClr val="tx1"/>
+          </a:fontRef>
+        </p:style>
+      </p:cxnSp>
+      <p:sp>
+        <p:nvSpPr>
+          <p:cNvPr id="19" name="TextBox 18"/>
+          <p:cNvSpPr txBox="1"/>
+          <p:nvPr/>
+        </p:nvSpPr>
+        <p:spPr>
+          <a:xfrm>
+            <a:off x="1981200" y="3587751"/>
+            <a:ext cx="1047195" cy="253916"/>
+          </a:xfrm>
+          <a:prstGeom prst="rect">
+            <a:avLst/>
+          </a:prstGeom>
+          <a:noFill/>
+        </p:spPr>
+        <p:txBody>
+          <a:bodyPr wrap="square" rtlCol="0">
+            <a:spAutoFit/>
+          </a:bodyPr>
+          <a:lstStyle/>
+          <a:p>
+            <a:r>
+              <a:rPr lang="en-US" sz="1050" dirty="0" smtClean="0"/>
+              <a:t>Feature maps</a:t>
+            </a:r>
+            <a:endParaRPr lang="en-US" sz="1050" dirty="0"/>
+          </a:p>
+        </p:txBody>
+      </p:sp>
+      <p:sp>
+        <p:nvSpPr>
+          <p:cNvPr id="25" name="Rectangle 24"/>
+          <p:cNvSpPr/>
+          <p:nvPr/>
+        </p:nvSpPr>
+        <p:spPr>
+          <a:xfrm>
+            <a:off x="3047999" y="3099675"/>
+            <a:ext cx="456341" cy="412603"/>
+          </a:xfrm>
+          <a:prstGeom prst="rect">
+            <a:avLst/>
+          </a:prstGeom>
+          <a:solidFill>
+            <a:schemeClr val="bg1"/>
+          </a:solidFill>
+          <a:ln w="12700">
+            <a:solidFill>
+              <a:schemeClr val="tx1"/>
+            </a:solidFill>
+          </a:ln>
+          <a:scene3d>
+            <a:camera prst="orthographicFront"/>
+            <a:lightRig rig="threePt" dir="t"/>
+          </a:scene3d>
+          <a:sp3d>
+            <a:bevelB w="139700" h="101600"/>
+          </a:sp3d>
+        </p:spPr>
+        <p:style>
+          <a:lnRef idx="2">
+            <a:schemeClr val="accent1">
+              <a:shade val="50000"/>
+            </a:schemeClr>
+          </a:lnRef>
+          <a:fillRef idx="1">
+            <a:schemeClr val="accent1"/>
+          </a:fillRef>
+          <a:effectRef idx="0">
+            <a:schemeClr val="accent1"/>
+          </a:effectRef>
+          <a:fontRef idx="minor">
+            <a:schemeClr val="lt1"/>
+          </a:fontRef>
+        </p:style>
+        <p:txBody>
+          <a:bodyPr rtlCol="0" anchor="ctr"/>
+          <a:lstStyle/>
+          <a:p>
+            <a:pPr algn="ctr"/>
+            <a:endParaRPr lang="en-US" sz="700" dirty="0">
+              <a:solidFill>
+                <a:schemeClr val="tx1"/>
+              </a:solidFill>
+            </a:endParaRPr>
+          </a:p>
+        </p:txBody>
+      </p:sp>
+      <p:sp>
+        <p:nvSpPr>
+          <p:cNvPr id="26" name="Rectangle 25"/>
+          <p:cNvSpPr/>
+          <p:nvPr/>
+        </p:nvSpPr>
+        <p:spPr>
+          <a:xfrm>
+            <a:off x="3047999" y="3141926"/>
+            <a:ext cx="456341" cy="412603"/>
+          </a:xfrm>
+          <a:prstGeom prst="rect">
+            <a:avLst/>
+          </a:prstGeom>
+          <a:solidFill>
+            <a:schemeClr val="bg1"/>
+          </a:solidFill>
+          <a:ln w="12700">
+            <a:solidFill>
+              <a:schemeClr val="tx1"/>
+            </a:solidFill>
+          </a:ln>
+          <a:scene3d>
+            <a:camera prst="orthographicFront"/>
+            <a:lightRig rig="threePt" dir="t"/>
+          </a:scene3d>
+          <a:sp3d>
+            <a:bevelB w="139700" h="101600"/>
+          </a:sp3d>
+        </p:spPr>
+        <p:style>
+          <a:lnRef idx="2">
+            <a:schemeClr val="accent1">
+              <a:shade val="50000"/>
+            </a:schemeClr>
+          </a:lnRef>
+          <a:fillRef idx="1">
+            <a:schemeClr val="accent1"/>
+          </a:fillRef>
+          <a:effectRef idx="0">
+            <a:schemeClr val="accent1"/>
+          </a:effectRef>
+          <a:fontRef idx="minor">
+            <a:schemeClr val="lt1"/>
+          </a:fontRef>
+        </p:style>
+        <p:txBody>
+          <a:bodyPr rtlCol="0" anchor="ctr"/>
+          <a:lstStyle/>
+          <a:p>
+            <a:pPr algn="ctr"/>
+            <a:r>
+              <a:rPr lang="en-US" sz="800" dirty="0" err="1" smtClean="0">
+                <a:solidFill>
+                  <a:schemeClr val="tx1"/>
+                </a:solidFill>
+              </a:rPr>
+              <a:t>2x2</a:t>
+            </a:r>
+            <a:endParaRPr lang="en-US" sz="700" dirty="0">
+              <a:solidFill>
+                <a:schemeClr val="tx1"/>
+              </a:solidFill>
+            </a:endParaRPr>
+          </a:p>
+        </p:txBody>
+      </p:sp>
+      <p:sp>
+        <p:nvSpPr>
+          <p:cNvPr id="27" name="TextBox 26"/>
+          <p:cNvSpPr txBox="1"/>
+          <p:nvPr/>
+        </p:nvSpPr>
+        <p:spPr>
+          <a:xfrm>
+            <a:off x="2886916" y="3587751"/>
+            <a:ext cx="923084" cy="253916"/>
+          </a:xfrm>
+          <a:prstGeom prst="rect">
+            <a:avLst/>
+          </a:prstGeom>
+          <a:noFill/>
+        </p:spPr>
+        <p:txBody>
+          <a:bodyPr wrap="square" rtlCol="0">
+            <a:spAutoFit/>
+          </a:bodyPr>
+          <a:lstStyle/>
+          <a:p>
+            <a:r>
+              <a:rPr lang="en-US" sz="1050" dirty="0" smtClean="0"/>
+              <a:t>Max pooling</a:t>
+            </a:r>
+            <a:endParaRPr lang="en-US" sz="1050" dirty="0"/>
+          </a:p>
+        </p:txBody>
+      </p:sp>
+      <p:cxnSp>
+        <p:nvCxnSpPr>
+          <p:cNvPr id="1039" name="Straight Arrow Connector 1038"/>
+          <p:cNvCxnSpPr/>
+          <p:nvPr/>
+        </p:nvCxnSpPr>
+        <p:spPr>
+          <a:xfrm>
+            <a:off x="2677956" y="3276600"/>
+            <a:ext cx="370044" cy="0"/>
+          </a:xfrm>
+          <a:prstGeom prst="straightConnector1">
+            <a:avLst/>
+          </a:prstGeom>
+          <a:ln w="15875">
+            <a:solidFill>
+              <a:schemeClr val="tx1"/>
+            </a:solidFill>
+            <a:tailEnd type="arrow"/>
+          </a:ln>
+        </p:spPr>
+        <p:style>
+          <a:lnRef idx="1">
+            <a:schemeClr val="accent1"/>
+          </a:lnRef>
+          <a:fillRef idx="0">
+            <a:schemeClr val="accent1"/>
+          </a:fillRef>
+          <a:effectRef idx="0">
+            <a:schemeClr val="accent1"/>
+          </a:effectRef>
+          <a:fontRef idx="minor">
+            <a:schemeClr val="tx1"/>
+          </a:fontRef>
+        </p:style>
+      </p:cxnSp>
+      <p:sp>
+        <p:nvSpPr>
+          <p:cNvPr id="82" name="Rectangle 81"/>
+          <p:cNvSpPr/>
+          <p:nvPr/>
+        </p:nvSpPr>
+        <p:spPr>
+          <a:xfrm>
+            <a:off x="3877515" y="2960878"/>
+            <a:ext cx="542639" cy="539751"/>
+          </a:xfrm>
+          <a:prstGeom prst="rect">
+            <a:avLst/>
+          </a:prstGeom>
+          <a:solidFill>
+            <a:schemeClr val="bg1"/>
+          </a:solidFill>
+          <a:ln w="12700">
+            <a:solidFill>
+              <a:schemeClr val="tx1"/>
+            </a:solidFill>
+          </a:ln>
+          <a:scene3d>
+            <a:camera prst="orthographicFront"/>
+            <a:lightRig rig="threePt" dir="t"/>
+          </a:scene3d>
+          <a:sp3d>
+            <a:bevelB w="139700" h="101600"/>
+          </a:sp3d>
+        </p:spPr>
+        <p:style>
+          <a:lnRef idx="2">
+            <a:schemeClr val="accent1">
+              <a:shade val="50000"/>
+            </a:schemeClr>
+          </a:lnRef>
+          <a:fillRef idx="1">
+            <a:schemeClr val="accent1"/>
+          </a:fillRef>
+          <a:effectRef idx="0">
+            <a:schemeClr val="accent1"/>
+          </a:effectRef>
+          <a:fontRef idx="minor">
+            <a:schemeClr val="lt1"/>
+          </a:fontRef>
+        </p:style>
+        <p:txBody>
+          <a:bodyPr rtlCol="0" anchor="ctr"/>
+          <a:lstStyle/>
+          <a:p>
+            <a:pPr algn="ctr"/>
+            <a:endParaRPr lang="en-US" sz="700" dirty="0">
+              <a:solidFill>
+                <a:schemeClr val="tx1"/>
+              </a:solidFill>
+            </a:endParaRPr>
+          </a:p>
+        </p:txBody>
+      </p:sp>
+      <p:sp>
+        <p:nvSpPr>
+          <p:cNvPr id="83" name="Rectangle 82"/>
+          <p:cNvSpPr/>
+          <p:nvPr/>
+        </p:nvSpPr>
+        <p:spPr>
+          <a:xfrm>
+            <a:off x="3877515" y="3012554"/>
+            <a:ext cx="542639" cy="539751"/>
+          </a:xfrm>
+          <a:prstGeom prst="rect">
+            <a:avLst/>
+          </a:prstGeom>
+          <a:solidFill>
+            <a:schemeClr val="bg1"/>
+          </a:solidFill>
+          <a:ln w="12700">
+            <a:solidFill>
+              <a:schemeClr val="tx1"/>
+            </a:solidFill>
+          </a:ln>
+          <a:scene3d>
+            <a:camera prst="orthographicFront"/>
+            <a:lightRig rig="threePt" dir="t"/>
+          </a:scene3d>
+          <a:sp3d>
+            <a:bevelB w="139700" h="101600"/>
+          </a:sp3d>
+        </p:spPr>
+        <p:style>
+          <a:lnRef idx="2">
+            <a:schemeClr val="accent1">
+              <a:shade val="50000"/>
+            </a:schemeClr>
+          </a:lnRef>
+          <a:fillRef idx="1">
+            <a:schemeClr val="accent1"/>
+          </a:fillRef>
+          <a:effectRef idx="0">
+            <a:schemeClr val="accent1"/>
+          </a:effectRef>
+          <a:fontRef idx="minor">
+            <a:schemeClr val="lt1"/>
+          </a:fontRef>
+        </p:style>
+        <p:txBody>
+          <a:bodyPr rtlCol="0" anchor="ctr"/>
+          <a:lstStyle/>
+          <a:p>
+            <a:pPr algn="ctr"/>
+            <a:endParaRPr lang="en-US" sz="700" dirty="0">
+              <a:solidFill>
+                <a:schemeClr val="tx1"/>
+              </a:solidFill>
+            </a:endParaRPr>
+          </a:p>
+        </p:txBody>
+      </p:sp>
+      <p:sp>
+        <p:nvSpPr>
+          <p:cNvPr id="84" name="Rectangle 83"/>
+          <p:cNvSpPr/>
+          <p:nvPr/>
+        </p:nvSpPr>
+        <p:spPr>
+          <a:xfrm>
+            <a:off x="3877515" y="3054805"/>
+            <a:ext cx="542639" cy="539751"/>
+          </a:xfrm>
+          <a:prstGeom prst="rect">
+            <a:avLst/>
+          </a:prstGeom>
+          <a:solidFill>
+            <a:schemeClr val="bg1"/>
+          </a:solidFill>
+          <a:ln w="12700">
+            <a:solidFill>
+              <a:schemeClr val="tx1"/>
+            </a:solidFill>
+          </a:ln>
+          <a:scene3d>
+            <a:camera prst="orthographicFront"/>
+            <a:lightRig rig="threePt" dir="t"/>
+          </a:scene3d>
+          <a:sp3d>
+            <a:bevelB w="139700" h="101600"/>
+          </a:sp3d>
+        </p:spPr>
+        <p:style>
+          <a:lnRef idx="2">
+            <a:schemeClr val="accent1">
+              <a:shade val="50000"/>
+            </a:schemeClr>
+          </a:lnRef>
+          <a:fillRef idx="1">
+            <a:schemeClr val="accent1"/>
+          </a:fillRef>
+          <a:effectRef idx="0">
+            <a:schemeClr val="accent1"/>
+          </a:effectRef>
+          <a:fontRef idx="minor">
+            <a:schemeClr val="lt1"/>
+          </a:fontRef>
+        </p:style>
+        <p:txBody>
+          <a:bodyPr rtlCol="0" anchor="ctr"/>
+          <a:lstStyle/>
+          <a:p>
+            <a:pPr algn="ctr"/>
+            <a:r>
+              <a:rPr lang="en-US" sz="800" dirty="0" smtClean="0">
+                <a:solidFill>
+                  <a:schemeClr val="tx1"/>
+                </a:solidFill>
+              </a:rPr>
+              <a:t>10</a:t>
+            </a:r>
+            <a:r>
+              <a:rPr lang="en-US" sz="800" dirty="0" smtClean="0">
+                <a:solidFill>
+                  <a:schemeClr val="tx1"/>
+                </a:solidFill>
+              </a:rPr>
+              <a:t>0</a:t>
+            </a:r>
+            <a:endParaRPr lang="en-US" sz="800" dirty="0" smtClean="0">
+              <a:solidFill>
+                <a:schemeClr val="tx1"/>
+              </a:solidFill>
+            </a:endParaRPr>
+          </a:p>
+          <a:p>
+            <a:pPr algn="ctr"/>
+            <a:r>
+              <a:rPr lang="en-US" sz="800" dirty="0" smtClean="0">
+                <a:solidFill>
+                  <a:schemeClr val="tx1"/>
+                </a:solidFill>
+              </a:rPr>
+              <a:t>6</a:t>
+            </a:r>
+            <a:r>
+              <a:rPr lang="en-US" sz="800" dirty="0" smtClean="0">
+                <a:solidFill>
+                  <a:schemeClr val="tx1"/>
+                </a:solidFill>
+              </a:rPr>
+              <a:t>x5x30</a:t>
+            </a:r>
+            <a:endParaRPr lang="en-US" sz="800" dirty="0" smtClean="0">
+              <a:solidFill>
+                <a:schemeClr val="tx1"/>
+              </a:solidFill>
+            </a:endParaRPr>
+          </a:p>
+        </p:txBody>
+      </p:sp>
+      <p:sp>
+        <p:nvSpPr>
+          <p:cNvPr id="85" name="TextBox 84"/>
+          <p:cNvSpPr txBox="1"/>
+          <p:nvPr/>
+        </p:nvSpPr>
+        <p:spPr>
+          <a:xfrm>
+            <a:off x="3677205" y="3594556"/>
+            <a:ext cx="1047195" cy="253916"/>
+          </a:xfrm>
+          <a:prstGeom prst="rect">
+            <a:avLst/>
+          </a:prstGeom>
+          <a:noFill/>
+        </p:spPr>
+        <p:txBody>
+          <a:bodyPr wrap="square" rtlCol="0">
+            <a:spAutoFit/>
+          </a:bodyPr>
+          <a:lstStyle/>
+          <a:p>
+            <a:r>
+              <a:rPr lang="en-US" sz="1050" dirty="0" smtClean="0"/>
+              <a:t>Feature maps</a:t>
+            </a:r>
+            <a:endParaRPr lang="en-US" sz="1050" dirty="0"/>
+          </a:p>
+        </p:txBody>
+      </p:sp>
+      <p:sp>
+        <p:nvSpPr>
+          <p:cNvPr id="87" name="Rectangle 86"/>
+          <p:cNvSpPr/>
+          <p:nvPr/>
+        </p:nvSpPr>
+        <p:spPr>
+          <a:xfrm>
+            <a:off x="4791915" y="3092597"/>
+            <a:ext cx="456341" cy="412603"/>
+          </a:xfrm>
+          <a:prstGeom prst="rect">
+            <a:avLst/>
+          </a:prstGeom>
+          <a:solidFill>
+            <a:schemeClr val="bg1"/>
+          </a:solidFill>
+          <a:ln w="12700">
+            <a:solidFill>
+              <a:schemeClr val="tx1"/>
+            </a:solidFill>
+          </a:ln>
+          <a:scene3d>
+            <a:camera prst="orthographicFront"/>
+            <a:lightRig rig="threePt" dir="t"/>
+          </a:scene3d>
+          <a:sp3d>
+            <a:bevelB w="139700" h="101600"/>
+          </a:sp3d>
+        </p:spPr>
+        <p:style>
+          <a:lnRef idx="2">
+            <a:schemeClr val="accent1">
+              <a:shade val="50000"/>
+            </a:schemeClr>
+          </a:lnRef>
+          <a:fillRef idx="1">
+            <a:schemeClr val="accent1"/>
+          </a:fillRef>
+          <a:effectRef idx="0">
+            <a:schemeClr val="accent1"/>
+          </a:effectRef>
+          <a:fontRef idx="minor">
+            <a:schemeClr val="lt1"/>
+          </a:fontRef>
+        </p:style>
+        <p:txBody>
+          <a:bodyPr rtlCol="0" anchor="ctr"/>
+          <a:lstStyle/>
+          <a:p>
+            <a:pPr algn="ctr"/>
+            <a:endParaRPr lang="en-US" sz="700" dirty="0">
+              <a:solidFill>
+                <a:schemeClr val="tx1"/>
+              </a:solidFill>
+            </a:endParaRPr>
+          </a:p>
+        </p:txBody>
+      </p:sp>
+      <p:sp>
+        <p:nvSpPr>
+          <p:cNvPr id="88" name="Rectangle 87"/>
+          <p:cNvSpPr/>
+          <p:nvPr/>
+        </p:nvSpPr>
+        <p:spPr>
+          <a:xfrm>
+            <a:off x="4791915" y="3148731"/>
+            <a:ext cx="456341" cy="412603"/>
+          </a:xfrm>
+          <a:prstGeom prst="rect">
+            <a:avLst/>
+          </a:prstGeom>
+          <a:solidFill>
+            <a:schemeClr val="bg1"/>
+          </a:solidFill>
+          <a:ln w="12700">
+            <a:solidFill>
+              <a:schemeClr val="tx1"/>
+            </a:solidFill>
+          </a:ln>
+          <a:scene3d>
+            <a:camera prst="orthographicFront"/>
+            <a:lightRig rig="threePt" dir="t"/>
+          </a:scene3d>
+          <a:sp3d>
+            <a:bevelB w="139700" h="101600"/>
+          </a:sp3d>
+        </p:spPr>
+        <p:style>
+          <a:lnRef idx="2">
+            <a:schemeClr val="accent1">
+              <a:shade val="50000"/>
+            </a:schemeClr>
+          </a:lnRef>
+          <a:fillRef idx="1">
+            <a:schemeClr val="accent1"/>
+          </a:fillRef>
+          <a:effectRef idx="0">
+            <a:schemeClr val="accent1"/>
+          </a:effectRef>
+          <a:fontRef idx="minor">
+            <a:schemeClr val="lt1"/>
+          </a:fontRef>
+        </p:style>
+        <p:txBody>
+          <a:bodyPr rtlCol="0" anchor="ctr"/>
+          <a:lstStyle/>
+          <a:p>
+            <a:pPr algn="ctr"/>
+            <a:r>
+              <a:rPr lang="en-US" sz="800" dirty="0" err="1" smtClean="0">
+                <a:solidFill>
+                  <a:schemeClr val="tx1"/>
+                </a:solidFill>
+              </a:rPr>
+              <a:t>2x2</a:t>
+            </a:r>
+            <a:endParaRPr lang="en-US" sz="700" dirty="0">
+              <a:solidFill>
+                <a:schemeClr val="tx1"/>
+              </a:solidFill>
+            </a:endParaRPr>
+          </a:p>
+        </p:txBody>
+      </p:sp>
+      <p:sp>
+        <p:nvSpPr>
+          <p:cNvPr id="89" name="TextBox 88"/>
+          <p:cNvSpPr txBox="1"/>
+          <p:nvPr/>
+        </p:nvSpPr>
+        <p:spPr>
+          <a:xfrm>
+            <a:off x="4639516" y="3594556"/>
+            <a:ext cx="923084" cy="253916"/>
+          </a:xfrm>
+          <a:prstGeom prst="rect">
+            <a:avLst/>
+          </a:prstGeom>
+          <a:noFill/>
+        </p:spPr>
+        <p:txBody>
+          <a:bodyPr wrap="square" rtlCol="0">
+            <a:spAutoFit/>
+          </a:bodyPr>
+          <a:lstStyle/>
+          <a:p>
+            <a:r>
+              <a:rPr lang="en-US" sz="1050" dirty="0" smtClean="0"/>
+              <a:t>Max pooling</a:t>
+            </a:r>
+            <a:endParaRPr lang="en-US" sz="1050" dirty="0"/>
+          </a:p>
+        </p:txBody>
+      </p:sp>
+      <p:cxnSp>
+        <p:nvCxnSpPr>
+          <p:cNvPr id="90" name="Straight Arrow Connector 89"/>
+          <p:cNvCxnSpPr/>
+          <p:nvPr/>
+        </p:nvCxnSpPr>
+        <p:spPr>
+          <a:xfrm>
+            <a:off x="4421872" y="3283405"/>
+            <a:ext cx="370044" cy="0"/>
+          </a:xfrm>
+          <a:prstGeom prst="straightConnector1">
+            <a:avLst/>
+          </a:prstGeom>
+          <a:ln w="15875">
+            <a:solidFill>
+              <a:schemeClr val="tx1"/>
+            </a:solidFill>
+            <a:tailEnd type="arrow"/>
+          </a:ln>
+        </p:spPr>
+        <p:style>
+          <a:lnRef idx="1">
+            <a:schemeClr val="accent1"/>
+          </a:lnRef>
+          <a:fillRef idx="0">
+            <a:schemeClr val="accent1"/>
+          </a:fillRef>
+          <a:effectRef idx="0">
+            <a:schemeClr val="accent1"/>
+          </a:effectRef>
+          <a:fontRef idx="minor">
+            <a:schemeClr val="tx1"/>
+          </a:fontRef>
+        </p:style>
+      </p:cxnSp>
+      <p:cxnSp>
+        <p:nvCxnSpPr>
+          <p:cNvPr id="91" name="Straight Arrow Connector 90"/>
+          <p:cNvCxnSpPr/>
+          <p:nvPr/>
+        </p:nvCxnSpPr>
+        <p:spPr>
+          <a:xfrm>
+            <a:off x="3505200" y="3276600"/>
+            <a:ext cx="370044" cy="0"/>
+          </a:xfrm>
+          <a:prstGeom prst="straightConnector1">
+            <a:avLst/>
+          </a:prstGeom>
+          <a:ln w="15875">
+            <a:solidFill>
+              <a:schemeClr val="tx1"/>
+            </a:solidFill>
+            <a:tailEnd type="arrow"/>
+          </a:ln>
+        </p:spPr>
+        <p:style>
+          <a:lnRef idx="1">
+            <a:schemeClr val="accent1"/>
+          </a:lnRef>
+          <a:fillRef idx="0">
+            <a:schemeClr val="accent1"/>
+          </a:fillRef>
+          <a:effectRef idx="0">
+            <a:schemeClr val="accent1"/>
+          </a:effectRef>
+          <a:fontRef idx="minor">
+            <a:schemeClr val="tx1"/>
+          </a:fontRef>
+        </p:style>
+      </p:cxnSp>
+      <p:sp>
+        <p:nvSpPr>
+          <p:cNvPr id="101" name="Rectangle 100"/>
+          <p:cNvSpPr/>
+          <p:nvPr/>
+        </p:nvSpPr>
+        <p:spPr>
+          <a:xfrm>
+            <a:off x="5630115" y="2971800"/>
+            <a:ext cx="542639" cy="539751"/>
+          </a:xfrm>
+          <a:prstGeom prst="rect">
+            <a:avLst/>
+          </a:prstGeom>
+          <a:solidFill>
+            <a:schemeClr val="bg1"/>
+          </a:solidFill>
+          <a:ln w="12700">
+            <a:solidFill>
+              <a:schemeClr val="tx1"/>
+            </a:solidFill>
+          </a:ln>
+          <a:scene3d>
+            <a:camera prst="orthographicFront"/>
+            <a:lightRig rig="threePt" dir="t"/>
+          </a:scene3d>
+          <a:sp3d>
+            <a:bevelB w="139700" h="101600"/>
+          </a:sp3d>
+        </p:spPr>
+        <p:style>
+          <a:lnRef idx="2">
+            <a:schemeClr val="accent1">
+              <a:shade val="50000"/>
+            </a:schemeClr>
+          </a:lnRef>
+          <a:fillRef idx="1">
+            <a:schemeClr val="accent1"/>
+          </a:fillRef>
+          <a:effectRef idx="0">
+            <a:schemeClr val="accent1"/>
+          </a:effectRef>
+          <a:fontRef idx="minor">
+            <a:schemeClr val="lt1"/>
+          </a:fontRef>
+        </p:style>
+        <p:txBody>
+          <a:bodyPr rtlCol="0" anchor="ctr"/>
+          <a:lstStyle/>
+          <a:p>
+            <a:pPr algn="ctr"/>
+            <a:endParaRPr lang="en-US" sz="700" dirty="0">
+              <a:solidFill>
+                <a:schemeClr val="tx1"/>
+              </a:solidFill>
+            </a:endParaRPr>
+          </a:p>
+        </p:txBody>
+      </p:sp>
+      <p:sp>
+        <p:nvSpPr>
+          <p:cNvPr id="102" name="Rectangle 101"/>
+          <p:cNvSpPr/>
+          <p:nvPr/>
+        </p:nvSpPr>
+        <p:spPr>
+          <a:xfrm>
+            <a:off x="5630115" y="3023476"/>
+            <a:ext cx="542639" cy="539751"/>
+          </a:xfrm>
+          <a:prstGeom prst="rect">
+            <a:avLst/>
+          </a:prstGeom>
+          <a:solidFill>
+            <a:schemeClr val="bg1"/>
+          </a:solidFill>
+          <a:ln w="12700">
+            <a:solidFill>
+              <a:schemeClr val="tx1"/>
+            </a:solidFill>
+          </a:ln>
+          <a:scene3d>
+            <a:camera prst="orthographicFront"/>
+            <a:lightRig rig="threePt" dir="t"/>
+          </a:scene3d>
+          <a:sp3d>
+            <a:bevelB w="139700" h="101600"/>
+          </a:sp3d>
+        </p:spPr>
+        <p:style>
+          <a:lnRef idx="2">
+            <a:schemeClr val="accent1">
+              <a:shade val="50000"/>
+            </a:schemeClr>
+          </a:lnRef>
+          <a:fillRef idx="1">
+            <a:schemeClr val="accent1"/>
+          </a:fillRef>
+          <a:effectRef idx="0">
+            <a:schemeClr val="accent1"/>
+          </a:effectRef>
+          <a:fontRef idx="minor">
+            <a:schemeClr val="lt1"/>
+          </a:fontRef>
+        </p:style>
+        <p:txBody>
+          <a:bodyPr rtlCol="0" anchor="ctr"/>
+          <a:lstStyle/>
+          <a:p>
+            <a:pPr algn="ctr"/>
+            <a:endParaRPr lang="en-US" sz="700" dirty="0">
+              <a:solidFill>
+                <a:schemeClr val="tx1"/>
+              </a:solidFill>
+            </a:endParaRPr>
+          </a:p>
+        </p:txBody>
+      </p:sp>
+      <p:sp>
+        <p:nvSpPr>
+          <p:cNvPr id="103" name="Rectangle 102"/>
+          <p:cNvSpPr/>
+          <p:nvPr/>
+        </p:nvSpPr>
+        <p:spPr>
+          <a:xfrm>
+            <a:off x="5630115" y="3065727"/>
+            <a:ext cx="542639" cy="539751"/>
+          </a:xfrm>
+          <a:prstGeom prst="rect">
+            <a:avLst/>
+          </a:prstGeom>
+          <a:solidFill>
+            <a:schemeClr val="bg1"/>
+          </a:solidFill>
+          <a:ln w="12700">
+            <a:solidFill>
+              <a:schemeClr val="tx1"/>
+            </a:solidFill>
+          </a:ln>
+          <a:scene3d>
+            <a:camera prst="orthographicFront"/>
+            <a:lightRig rig="threePt" dir="t"/>
+          </a:scene3d>
+          <a:sp3d>
+            <a:bevelB w="139700" h="101600"/>
+          </a:sp3d>
+        </p:spPr>
+        <p:style>
+          <a:lnRef idx="2">
+            <a:schemeClr val="accent1">
+              <a:shade val="50000"/>
+            </a:schemeClr>
+          </a:lnRef>
+          <a:fillRef idx="1">
+            <a:schemeClr val="accent1"/>
+          </a:fillRef>
+          <a:effectRef idx="0">
+            <a:schemeClr val="accent1"/>
+          </a:effectRef>
+          <a:fontRef idx="minor">
+            <a:schemeClr val="lt1"/>
+          </a:fontRef>
+        </p:style>
+        <p:txBody>
+          <a:bodyPr rtlCol="0" anchor="ctr"/>
+          <a:lstStyle/>
+          <a:p>
+            <a:pPr algn="ctr"/>
+            <a:r>
+              <a:rPr lang="en-US" sz="800" dirty="0" smtClean="0">
+                <a:solidFill>
+                  <a:schemeClr val="tx1"/>
+                </a:solidFill>
+              </a:rPr>
+              <a:t>200</a:t>
+            </a:r>
+            <a:endParaRPr lang="en-US" sz="800" dirty="0" smtClean="0">
+              <a:solidFill>
+                <a:schemeClr val="tx1"/>
+              </a:solidFill>
+            </a:endParaRPr>
+          </a:p>
+          <a:p>
+            <a:pPr algn="ctr"/>
+            <a:r>
+              <a:rPr lang="en-US" sz="800" dirty="0" smtClean="0">
+                <a:solidFill>
+                  <a:schemeClr val="tx1"/>
+                </a:solidFill>
+              </a:rPr>
+              <a:t>9</a:t>
+            </a:r>
+            <a:r>
+              <a:rPr lang="en-US" sz="800" dirty="0" smtClean="0">
+                <a:solidFill>
+                  <a:schemeClr val="tx1"/>
+                </a:solidFill>
+              </a:rPr>
+              <a:t>x7x100</a:t>
+            </a:r>
+            <a:endParaRPr lang="en-US" sz="800" dirty="0" smtClean="0">
+              <a:solidFill>
+                <a:schemeClr val="tx1"/>
+              </a:solidFill>
+            </a:endParaRPr>
+          </a:p>
+        </p:txBody>
+      </p:sp>
+      <p:sp>
+        <p:nvSpPr>
+          <p:cNvPr id="104" name="TextBox 103"/>
+          <p:cNvSpPr txBox="1"/>
+          <p:nvPr/>
+        </p:nvSpPr>
+        <p:spPr>
+          <a:xfrm>
+            <a:off x="5458574" y="3605478"/>
+            <a:ext cx="1018426" cy="253916"/>
+          </a:xfrm>
+          <a:prstGeom prst="rect">
+            <a:avLst/>
+          </a:prstGeom>
+          <a:noFill/>
+        </p:spPr>
+        <p:txBody>
+          <a:bodyPr wrap="square" rtlCol="0">
+            <a:spAutoFit/>
+          </a:bodyPr>
+          <a:lstStyle/>
+          <a:p>
+            <a:r>
+              <a:rPr lang="en-US" sz="1050" dirty="0" smtClean="0"/>
+              <a:t>Feature maps</a:t>
+            </a:r>
+            <a:endParaRPr lang="en-US" sz="1050" dirty="0"/>
+          </a:p>
+        </p:txBody>
+      </p:sp>
+      <p:sp>
+        <p:nvSpPr>
+          <p:cNvPr id="107" name="Rectangle 106"/>
+          <p:cNvSpPr/>
+          <p:nvPr/>
+        </p:nvSpPr>
+        <p:spPr>
+          <a:xfrm>
+            <a:off x="6530842" y="3083421"/>
+            <a:ext cx="456341" cy="412603"/>
+          </a:xfrm>
+          <a:prstGeom prst="rect">
+            <a:avLst/>
+          </a:prstGeom>
+          <a:solidFill>
+            <a:schemeClr val="bg1"/>
+          </a:solidFill>
+          <a:ln w="12700">
+            <a:solidFill>
+              <a:schemeClr val="tx1"/>
+            </a:solidFill>
+          </a:ln>
+          <a:scene3d>
+            <a:camera prst="orthographicFront"/>
+            <a:lightRig rig="threePt" dir="t"/>
+          </a:scene3d>
+          <a:sp3d>
+            <a:bevelB w="139700" h="101600"/>
+          </a:sp3d>
+        </p:spPr>
+        <p:style>
+          <a:lnRef idx="2">
+            <a:schemeClr val="accent1">
+              <a:shade val="50000"/>
+            </a:schemeClr>
+          </a:lnRef>
+          <a:fillRef idx="1">
+            <a:schemeClr val="accent1"/>
+          </a:fillRef>
+          <a:effectRef idx="0">
+            <a:schemeClr val="accent1"/>
+          </a:effectRef>
+          <a:fontRef idx="minor">
+            <a:schemeClr val="lt1"/>
+          </a:fontRef>
+        </p:style>
+        <p:txBody>
+          <a:bodyPr rtlCol="0" anchor="ctr"/>
+          <a:lstStyle/>
+          <a:p>
+            <a:pPr algn="ctr"/>
+            <a:endParaRPr lang="en-US" sz="700" dirty="0">
+              <a:solidFill>
+                <a:schemeClr val="tx1"/>
+              </a:solidFill>
+            </a:endParaRPr>
+          </a:p>
+        </p:txBody>
+      </p:sp>
+      <p:sp>
+        <p:nvSpPr>
+          <p:cNvPr id="108" name="TextBox 107"/>
+          <p:cNvSpPr txBox="1"/>
+          <p:nvPr/>
+        </p:nvSpPr>
+        <p:spPr>
+          <a:xfrm>
+            <a:off x="6502073" y="3529246"/>
+            <a:ext cx="494654" cy="253916"/>
+          </a:xfrm>
+          <a:prstGeom prst="rect">
+            <a:avLst/>
+          </a:prstGeom>
+          <a:noFill/>
+        </p:spPr>
+        <p:txBody>
+          <a:bodyPr wrap="square" rtlCol="0">
+            <a:spAutoFit/>
+          </a:bodyPr>
+          <a:lstStyle/>
+          <a:p>
+            <a:r>
+              <a:rPr lang="en-US" sz="1050" dirty="0" err="1" smtClean="0"/>
+              <a:t>ReLu</a:t>
+            </a:r>
+            <a:endParaRPr lang="en-US" sz="1050" dirty="0"/>
+          </a:p>
+        </p:txBody>
+      </p:sp>
+      <p:cxnSp>
+        <p:nvCxnSpPr>
+          <p:cNvPr id="109" name="Straight Arrow Connector 108"/>
+          <p:cNvCxnSpPr/>
+          <p:nvPr/>
+        </p:nvCxnSpPr>
+        <p:spPr>
+          <a:xfrm>
+            <a:off x="6174472" y="3294327"/>
+            <a:ext cx="370044" cy="0"/>
+          </a:xfrm>
+          <a:prstGeom prst="straightConnector1">
+            <a:avLst/>
+          </a:prstGeom>
+          <a:ln w="15875">
+            <a:solidFill>
+              <a:schemeClr val="tx1"/>
+            </a:solidFill>
+            <a:tailEnd type="arrow"/>
+          </a:ln>
+        </p:spPr>
+        <p:style>
+          <a:lnRef idx="1">
+            <a:schemeClr val="accent1"/>
+          </a:lnRef>
+          <a:fillRef idx="0">
+            <a:schemeClr val="accent1"/>
+          </a:fillRef>
+          <a:effectRef idx="0">
+            <a:schemeClr val="accent1"/>
+          </a:effectRef>
+          <a:fontRef idx="minor">
+            <a:schemeClr val="tx1"/>
+          </a:fontRef>
+        </p:style>
+      </p:cxnSp>
+      <p:cxnSp>
+        <p:nvCxnSpPr>
+          <p:cNvPr id="110" name="Straight Arrow Connector 109"/>
+          <p:cNvCxnSpPr/>
+          <p:nvPr/>
+        </p:nvCxnSpPr>
+        <p:spPr>
+          <a:xfrm>
+            <a:off x="5257800" y="3287522"/>
+            <a:ext cx="370044" cy="0"/>
+          </a:xfrm>
+          <a:prstGeom prst="straightConnector1">
+            <a:avLst/>
+          </a:prstGeom>
+          <a:ln w="15875">
+            <a:solidFill>
+              <a:schemeClr val="tx1"/>
+            </a:solidFill>
+            <a:tailEnd type="arrow"/>
+          </a:ln>
+        </p:spPr>
+        <p:style>
+          <a:lnRef idx="1">
+            <a:schemeClr val="accent1"/>
+          </a:lnRef>
+          <a:fillRef idx="0">
+            <a:schemeClr val="accent1"/>
+          </a:fillRef>
+          <a:effectRef idx="0">
+            <a:schemeClr val="accent1"/>
+          </a:effectRef>
+          <a:fontRef idx="minor">
+            <a:schemeClr val="tx1"/>
+          </a:fontRef>
+        </p:style>
+      </p:cxnSp>
+      <p:cxnSp>
+        <p:nvCxnSpPr>
+          <p:cNvPr id="1044" name="Straight Connector 1043"/>
+          <p:cNvCxnSpPr/>
+          <p:nvPr/>
+        </p:nvCxnSpPr>
+        <p:spPr>
+          <a:xfrm flipV="1">
+            <a:off x="6530842" y="3352767"/>
+            <a:ext cx="228170" cy="1"/>
+          </a:xfrm>
+          <a:prstGeom prst="line">
+            <a:avLst/>
+          </a:prstGeom>
+          <a:ln w="19050">
+            <a:solidFill>
+              <a:schemeClr val="tx1"/>
+            </a:solidFill>
+          </a:ln>
+        </p:spPr>
+        <p:style>
+          <a:lnRef idx="1">
+            <a:schemeClr val="accent1"/>
+          </a:lnRef>
+          <a:fillRef idx="0">
+            <a:schemeClr val="accent1"/>
+          </a:fillRef>
+          <a:effectRef idx="0">
+            <a:schemeClr val="accent1"/>
+          </a:effectRef>
+          <a:fontRef idx="minor">
+            <a:schemeClr val="tx1"/>
+          </a:fontRef>
+        </p:style>
+      </p:cxnSp>
+      <p:cxnSp>
+        <p:nvCxnSpPr>
+          <p:cNvPr id="119" name="Straight Connector 118"/>
+          <p:cNvCxnSpPr/>
+          <p:nvPr/>
+        </p:nvCxnSpPr>
+        <p:spPr>
+          <a:xfrm flipV="1">
+            <a:off x="6759012" y="3126595"/>
+            <a:ext cx="228171" cy="226173"/>
+          </a:xfrm>
+          <a:prstGeom prst="line">
+            <a:avLst/>
+          </a:prstGeom>
+          <a:ln w="19050">
+            <a:solidFill>
+              <a:schemeClr val="tx1"/>
+            </a:solidFill>
+          </a:ln>
+        </p:spPr>
+        <p:style>
+          <a:lnRef idx="1">
+            <a:schemeClr val="accent1"/>
+          </a:lnRef>
+          <a:fillRef idx="0">
+            <a:schemeClr val="accent1"/>
+          </a:fillRef>
+          <a:effectRef idx="0">
+            <a:schemeClr val="accent1"/>
+          </a:effectRef>
+          <a:fontRef idx="minor">
+            <a:schemeClr val="tx1"/>
+          </a:fontRef>
+        </p:style>
+      </p:cxnSp>
+      <p:sp>
+        <p:nvSpPr>
+          <p:cNvPr id="1048" name="Oval 1047"/>
+          <p:cNvSpPr/>
+          <p:nvPr/>
+        </p:nvSpPr>
+        <p:spPr>
+          <a:xfrm>
+            <a:off x="7225327" y="2898745"/>
+            <a:ext cx="152400" cy="146049"/>
+          </a:xfrm>
+          <a:prstGeom prst="ellipse">
+            <a:avLst/>
+          </a:prstGeom>
+          <a:noFill/>
+          <a:ln w="12700">
+            <a:solidFill>
+              <a:schemeClr val="tx1"/>
+            </a:solidFill>
+          </a:ln>
+        </p:spPr>
+        <p:style>
+          <a:lnRef idx="2">
+            <a:schemeClr val="accent1">
+              <a:shade val="50000"/>
+            </a:schemeClr>
+          </a:lnRef>
+          <a:fillRef idx="1">
+            <a:schemeClr val="accent1"/>
+          </a:fillRef>
+          <a:effectRef idx="0">
+            <a:schemeClr val="accent1"/>
+          </a:effectRef>
+          <a:fontRef idx="minor">
+            <a:schemeClr val="lt1"/>
+          </a:fontRef>
+        </p:style>
+        <p:txBody>
+          <a:bodyPr rtlCol="0" anchor="ctr"/>
+          <a:lstStyle/>
+          <a:p>
+            <a:pPr algn="ctr"/>
+            <a:endParaRPr lang="en-US"/>
+          </a:p>
+        </p:txBody>
+      </p:sp>
+      <p:sp>
+        <p:nvSpPr>
+          <p:cNvPr id="123" name="Oval 122"/>
+          <p:cNvSpPr/>
+          <p:nvPr/>
+        </p:nvSpPr>
+        <p:spPr>
+          <a:xfrm>
+            <a:off x="7225327" y="3282919"/>
+            <a:ext cx="152400" cy="146049"/>
+          </a:xfrm>
+          <a:prstGeom prst="ellipse">
+            <a:avLst/>
+          </a:prstGeom>
+          <a:noFill/>
+          <a:ln w="12700">
+            <a:solidFill>
+              <a:schemeClr val="tx1"/>
+            </a:solidFill>
+          </a:ln>
+        </p:spPr>
+        <p:style>
+          <a:lnRef idx="2">
+            <a:schemeClr val="accent1">
+              <a:shade val="50000"/>
+            </a:schemeClr>
+          </a:lnRef>
+          <a:fillRef idx="1">
+            <a:schemeClr val="accent1"/>
+          </a:fillRef>
+          <a:effectRef idx="0">
+            <a:schemeClr val="accent1"/>
+          </a:effectRef>
+          <a:fontRef idx="minor">
+            <a:schemeClr val="lt1"/>
+          </a:fontRef>
+        </p:style>
+        <p:txBody>
+          <a:bodyPr rtlCol="0" anchor="ctr"/>
+          <a:lstStyle/>
+          <a:p>
+            <a:pPr algn="ctr"/>
+            <a:endParaRPr lang="en-US"/>
+          </a:p>
+        </p:txBody>
+      </p:sp>
+      <p:sp>
+        <p:nvSpPr>
+          <p:cNvPr id="124" name="Oval 123"/>
+          <p:cNvSpPr/>
+          <p:nvPr/>
+        </p:nvSpPr>
+        <p:spPr>
+          <a:xfrm>
+            <a:off x="7225327" y="3097372"/>
+            <a:ext cx="152400" cy="146049"/>
+          </a:xfrm>
+          <a:prstGeom prst="ellipse">
+            <a:avLst/>
+          </a:prstGeom>
+          <a:noFill/>
+          <a:ln w="12700">
+            <a:solidFill>
+              <a:schemeClr val="tx1"/>
+            </a:solidFill>
+          </a:ln>
+        </p:spPr>
+        <p:style>
+          <a:lnRef idx="2">
+            <a:schemeClr val="accent1">
+              <a:shade val="50000"/>
+            </a:schemeClr>
+          </a:lnRef>
+          <a:fillRef idx="1">
+            <a:schemeClr val="accent1"/>
+          </a:fillRef>
+          <a:effectRef idx="0">
+            <a:schemeClr val="accent1"/>
+          </a:effectRef>
+          <a:fontRef idx="minor">
+            <a:schemeClr val="lt1"/>
+          </a:fontRef>
+        </p:style>
+        <p:txBody>
+          <a:bodyPr rtlCol="0" anchor="ctr"/>
+          <a:lstStyle/>
+          <a:p>
+            <a:pPr algn="ctr"/>
+            <a:endParaRPr lang="en-US"/>
+          </a:p>
+        </p:txBody>
+      </p:sp>
+      <p:sp>
+        <p:nvSpPr>
+          <p:cNvPr id="125" name="Oval 124"/>
+          <p:cNvSpPr/>
+          <p:nvPr/>
+        </p:nvSpPr>
+        <p:spPr>
+          <a:xfrm>
+            <a:off x="7225327" y="3490919"/>
+            <a:ext cx="152400" cy="146049"/>
+          </a:xfrm>
+          <a:prstGeom prst="ellipse">
+            <a:avLst/>
+          </a:prstGeom>
+          <a:noFill/>
+          <a:ln w="12700">
+            <a:solidFill>
+              <a:schemeClr val="tx1"/>
+            </a:solidFill>
+          </a:ln>
+        </p:spPr>
+        <p:style>
+          <a:lnRef idx="2">
+            <a:schemeClr val="accent1">
+              <a:shade val="50000"/>
+            </a:schemeClr>
+          </a:lnRef>
+          <a:fillRef idx="1">
+            <a:schemeClr val="accent1"/>
+          </a:fillRef>
+          <a:effectRef idx="0">
+            <a:schemeClr val="accent1"/>
+          </a:effectRef>
+          <a:fontRef idx="minor">
+            <a:schemeClr val="lt1"/>
+          </a:fontRef>
+        </p:style>
+        <p:txBody>
+          <a:bodyPr rtlCol="0" anchor="ctr"/>
+          <a:lstStyle/>
+          <a:p>
+            <a:pPr algn="ctr"/>
+            <a:endParaRPr lang="en-US"/>
+          </a:p>
+        </p:txBody>
+      </p:sp>
+      <p:sp>
+        <p:nvSpPr>
+          <p:cNvPr id="126" name="TextBox 125"/>
+          <p:cNvSpPr txBox="1"/>
+          <p:nvPr/>
+        </p:nvSpPr>
+        <p:spPr>
+          <a:xfrm>
+            <a:off x="6858000" y="3623102"/>
+            <a:ext cx="824527" cy="415498"/>
+          </a:xfrm>
+          <a:prstGeom prst="rect">
+            <a:avLst/>
+          </a:prstGeom>
+          <a:noFill/>
+        </p:spPr>
+        <p:txBody>
+          <a:bodyPr wrap="square" rtlCol="0">
+            <a:spAutoFit/>
+          </a:bodyPr>
+          <a:lstStyle/>
+          <a:p>
+            <a:pPr algn="ctr"/>
+            <a:r>
+              <a:rPr lang="en-US" sz="1050" dirty="0" smtClean="0"/>
+              <a:t>300 Fully Connected</a:t>
+            </a:r>
+            <a:endParaRPr lang="en-US" sz="1050" dirty="0"/>
+          </a:p>
+        </p:txBody>
+      </p:sp>
+      <p:sp>
+        <p:nvSpPr>
+          <p:cNvPr id="128" name="Oval 127"/>
+          <p:cNvSpPr/>
+          <p:nvPr/>
+        </p:nvSpPr>
+        <p:spPr>
+          <a:xfrm>
+            <a:off x="7892076" y="3279742"/>
+            <a:ext cx="152400" cy="146049"/>
+          </a:xfrm>
+          <a:prstGeom prst="ellipse">
+            <a:avLst/>
+          </a:prstGeom>
+          <a:noFill/>
+          <a:ln w="12700">
+            <a:solidFill>
+              <a:schemeClr val="tx1"/>
+            </a:solidFill>
+          </a:ln>
+        </p:spPr>
+        <p:style>
+          <a:lnRef idx="2">
+            <a:schemeClr val="accent1">
+              <a:shade val="50000"/>
+            </a:schemeClr>
+          </a:lnRef>
+          <a:fillRef idx="1">
+            <a:schemeClr val="accent1"/>
+          </a:fillRef>
+          <a:effectRef idx="0">
+            <a:schemeClr val="accent1"/>
+          </a:effectRef>
+          <a:fontRef idx="minor">
+            <a:schemeClr val="lt1"/>
+          </a:fontRef>
+        </p:style>
+        <p:txBody>
+          <a:bodyPr rtlCol="0" anchor="ctr"/>
+          <a:lstStyle/>
+          <a:p>
+            <a:pPr algn="ctr"/>
+            <a:endParaRPr lang="en-US"/>
+          </a:p>
+        </p:txBody>
+      </p:sp>
+      <p:sp>
+        <p:nvSpPr>
+          <p:cNvPr id="129" name="Oval 128"/>
+          <p:cNvSpPr/>
+          <p:nvPr/>
+        </p:nvSpPr>
+        <p:spPr>
+          <a:xfrm>
+            <a:off x="7892076" y="3094195"/>
+            <a:ext cx="152400" cy="146049"/>
+          </a:xfrm>
+          <a:prstGeom prst="ellipse">
+            <a:avLst/>
+          </a:prstGeom>
+          <a:noFill/>
+          <a:ln w="12700">
+            <a:solidFill>
+              <a:schemeClr val="tx1"/>
+            </a:solidFill>
+          </a:ln>
+        </p:spPr>
+        <p:style>
+          <a:lnRef idx="2">
+            <a:schemeClr val="accent1">
+              <a:shade val="50000"/>
+            </a:schemeClr>
+          </a:lnRef>
+          <a:fillRef idx="1">
+            <a:schemeClr val="accent1"/>
+          </a:fillRef>
+          <a:effectRef idx="0">
+            <a:schemeClr val="accent1"/>
+          </a:effectRef>
+          <a:fontRef idx="minor">
+            <a:schemeClr val="lt1"/>
+          </a:fontRef>
+        </p:style>
+        <p:txBody>
+          <a:bodyPr rtlCol="0" anchor="ctr"/>
+          <a:lstStyle/>
+          <a:p>
+            <a:pPr algn="ctr"/>
+            <a:endParaRPr lang="en-US"/>
+          </a:p>
+        </p:txBody>
+      </p:sp>
+      <p:sp>
+        <p:nvSpPr>
+          <p:cNvPr id="131" name="TextBox 130"/>
+          <p:cNvSpPr txBox="1"/>
+          <p:nvPr/>
+        </p:nvSpPr>
+        <p:spPr>
+          <a:xfrm>
+            <a:off x="7467600" y="3429000"/>
+            <a:ext cx="823187" cy="415498"/>
+          </a:xfrm>
+          <a:prstGeom prst="rect">
+            <a:avLst/>
+          </a:prstGeom>
+          <a:noFill/>
+        </p:spPr>
+        <p:txBody>
+          <a:bodyPr wrap="square" rtlCol="0">
+            <a:spAutoFit/>
+          </a:bodyPr>
+          <a:lstStyle/>
+          <a:p>
+            <a:pPr algn="ctr"/>
+            <a:r>
+              <a:rPr lang="en-US" sz="1050" dirty="0" smtClean="0"/>
+              <a:t>12 Fully Connected</a:t>
+            </a:r>
+            <a:endParaRPr lang="en-US" sz="1050" dirty="0"/>
+          </a:p>
+        </p:txBody>
+      </p:sp>
+      <p:cxnSp>
+        <p:nvCxnSpPr>
+          <p:cNvPr id="1050" name="Straight Connector 1049"/>
+          <p:cNvCxnSpPr>
+            <a:stCxn id="107" idx="3"/>
+            <a:endCxn id="1048" idx="3"/>
+          </p:cNvCxnSpPr>
+          <p:nvPr/>
+        </p:nvCxnSpPr>
+        <p:spPr>
+          <a:xfrm flipV="1">
+            <a:off x="6987183" y="3023406"/>
+            <a:ext cx="260462" cy="266317"/>
+          </a:xfrm>
+          <a:prstGeom prst="line">
+            <a:avLst/>
+          </a:prstGeom>
+          <a:ln>
+            <a:solidFill>
+              <a:schemeClr val="tx1"/>
+            </a:solidFill>
+          </a:ln>
+        </p:spPr>
+        <p:style>
+          <a:lnRef idx="1">
+            <a:schemeClr val="accent1"/>
+          </a:lnRef>
+          <a:fillRef idx="0">
+            <a:schemeClr val="accent1"/>
+          </a:fillRef>
+          <a:effectRef idx="0">
+            <a:schemeClr val="accent1"/>
+          </a:effectRef>
+          <a:fontRef idx="minor">
+            <a:schemeClr val="tx1"/>
+          </a:fontRef>
+        </p:style>
+      </p:cxnSp>
+      <p:cxnSp>
+        <p:nvCxnSpPr>
+          <p:cNvPr id="134" name="Straight Connector 133"/>
+          <p:cNvCxnSpPr>
+            <a:endCxn id="124" idx="2"/>
+          </p:cNvCxnSpPr>
+          <p:nvPr/>
+        </p:nvCxnSpPr>
+        <p:spPr>
+          <a:xfrm flipV="1">
+            <a:off x="6996727" y="3170397"/>
+            <a:ext cx="228600" cy="112522"/>
+          </a:xfrm>
+          <a:prstGeom prst="line">
+            <a:avLst/>
+          </a:prstGeom>
+          <a:ln>
+            <a:solidFill>
+              <a:schemeClr val="tx1"/>
+            </a:solidFill>
+          </a:ln>
+        </p:spPr>
+        <p:style>
+          <a:lnRef idx="1">
+            <a:schemeClr val="accent1"/>
+          </a:lnRef>
+          <a:fillRef idx="0">
+            <a:schemeClr val="accent1"/>
+          </a:fillRef>
+          <a:effectRef idx="0">
+            <a:schemeClr val="accent1"/>
+          </a:effectRef>
+          <a:fontRef idx="minor">
+            <a:schemeClr val="tx1"/>
+          </a:fontRef>
+        </p:style>
+      </p:cxnSp>
+      <p:cxnSp>
+        <p:nvCxnSpPr>
+          <p:cNvPr id="138" name="Straight Connector 137"/>
+          <p:cNvCxnSpPr>
+            <a:stCxn id="107" idx="3"/>
+            <a:endCxn id="123" idx="2"/>
+          </p:cNvCxnSpPr>
+          <p:nvPr/>
+        </p:nvCxnSpPr>
+        <p:spPr>
+          <a:xfrm>
+            <a:off x="6987183" y="3289723"/>
+            <a:ext cx="238144" cy="66221"/>
+          </a:xfrm>
+          <a:prstGeom prst="line">
+            <a:avLst/>
+          </a:prstGeom>
+          <a:ln>
+            <a:solidFill>
+              <a:schemeClr val="tx1"/>
+            </a:solidFill>
+          </a:ln>
+        </p:spPr>
+        <p:style>
+          <a:lnRef idx="1">
+            <a:schemeClr val="accent1"/>
+          </a:lnRef>
+          <a:fillRef idx="0">
+            <a:schemeClr val="accent1"/>
+          </a:fillRef>
+          <a:effectRef idx="0">
+            <a:schemeClr val="accent1"/>
+          </a:effectRef>
+          <a:fontRef idx="minor">
+            <a:schemeClr val="tx1"/>
+          </a:fontRef>
+        </p:style>
+      </p:cxnSp>
+      <p:cxnSp>
+        <p:nvCxnSpPr>
+          <p:cNvPr id="142" name="Straight Connector 141"/>
+          <p:cNvCxnSpPr>
+            <a:stCxn id="107" idx="3"/>
+            <a:endCxn id="125" idx="2"/>
+          </p:cNvCxnSpPr>
+          <p:nvPr/>
+        </p:nvCxnSpPr>
+        <p:spPr>
+          <a:xfrm>
+            <a:off x="6987183" y="3289723"/>
+            <a:ext cx="238144" cy="274221"/>
+          </a:xfrm>
+          <a:prstGeom prst="line">
+            <a:avLst/>
+          </a:prstGeom>
+          <a:ln>
+            <a:solidFill>
+              <a:schemeClr val="tx1"/>
+            </a:solidFill>
+          </a:ln>
+        </p:spPr>
+        <p:style>
+          <a:lnRef idx="1">
+            <a:schemeClr val="accent1"/>
+          </a:lnRef>
+          <a:fillRef idx="0">
+            <a:schemeClr val="accent1"/>
+          </a:fillRef>
+          <a:effectRef idx="0">
+            <a:schemeClr val="accent1"/>
+          </a:effectRef>
+          <a:fontRef idx="minor">
+            <a:schemeClr val="tx1"/>
+          </a:fontRef>
+        </p:style>
+      </p:cxnSp>
+      <p:cxnSp>
+        <p:nvCxnSpPr>
+          <p:cNvPr id="145" name="Straight Connector 144"/>
+          <p:cNvCxnSpPr>
+            <a:stCxn id="1048" idx="6"/>
+            <a:endCxn id="129" idx="2"/>
+          </p:cNvCxnSpPr>
+          <p:nvPr/>
+        </p:nvCxnSpPr>
+        <p:spPr>
+          <a:xfrm>
+            <a:off x="7377727" y="2971770"/>
+            <a:ext cx="514349" cy="195450"/>
+          </a:xfrm>
+          <a:prstGeom prst="line">
+            <a:avLst/>
+          </a:prstGeom>
+          <a:ln>
+            <a:solidFill>
+              <a:schemeClr val="tx1"/>
+            </a:solidFill>
+          </a:ln>
+        </p:spPr>
+        <p:style>
+          <a:lnRef idx="1">
+            <a:schemeClr val="accent1"/>
+          </a:lnRef>
+          <a:fillRef idx="0">
+            <a:schemeClr val="accent1"/>
+          </a:fillRef>
+          <a:effectRef idx="0">
+            <a:schemeClr val="accent1"/>
+          </a:effectRef>
+          <a:fontRef idx="minor">
+            <a:schemeClr val="tx1"/>
+          </a:fontRef>
+        </p:style>
+      </p:cxnSp>
+      <p:cxnSp>
+        <p:nvCxnSpPr>
+          <p:cNvPr id="148" name="Straight Connector 147"/>
+          <p:cNvCxnSpPr>
+            <a:stCxn id="1048" idx="6"/>
+            <a:endCxn id="128" idx="2"/>
+          </p:cNvCxnSpPr>
+          <p:nvPr/>
+        </p:nvCxnSpPr>
+        <p:spPr>
+          <a:xfrm>
+            <a:off x="7377727" y="2971770"/>
+            <a:ext cx="514349" cy="380997"/>
+          </a:xfrm>
+          <a:prstGeom prst="line">
+            <a:avLst/>
+          </a:prstGeom>
+          <a:ln>
+            <a:solidFill>
+              <a:schemeClr val="tx1"/>
+            </a:solidFill>
+          </a:ln>
+        </p:spPr>
+        <p:style>
+          <a:lnRef idx="1">
+            <a:schemeClr val="accent1"/>
+          </a:lnRef>
+          <a:fillRef idx="0">
+            <a:schemeClr val="accent1"/>
+          </a:fillRef>
+          <a:effectRef idx="0">
+            <a:schemeClr val="accent1"/>
+          </a:effectRef>
+          <a:fontRef idx="minor">
+            <a:schemeClr val="tx1"/>
+          </a:fontRef>
+        </p:style>
+      </p:cxnSp>
+      <p:cxnSp>
+        <p:nvCxnSpPr>
+          <p:cNvPr id="151" name="Straight Connector 150"/>
+          <p:cNvCxnSpPr>
+            <a:stCxn id="124" idx="6"/>
+            <a:endCxn id="129" idx="2"/>
+          </p:cNvCxnSpPr>
+          <p:nvPr/>
+        </p:nvCxnSpPr>
+        <p:spPr>
+          <a:xfrm flipV="1">
+            <a:off x="7377727" y="3167220"/>
+            <a:ext cx="514349" cy="3177"/>
+          </a:xfrm>
+          <a:prstGeom prst="line">
+            <a:avLst/>
+          </a:prstGeom>
+          <a:ln>
+            <a:solidFill>
+              <a:schemeClr val="tx1"/>
+            </a:solidFill>
+          </a:ln>
+        </p:spPr>
+        <p:style>
+          <a:lnRef idx="1">
+            <a:schemeClr val="accent1"/>
+          </a:lnRef>
+          <a:fillRef idx="0">
+            <a:schemeClr val="accent1"/>
+          </a:fillRef>
+          <a:effectRef idx="0">
+            <a:schemeClr val="accent1"/>
+          </a:effectRef>
+          <a:fontRef idx="minor">
+            <a:schemeClr val="tx1"/>
+          </a:fontRef>
+        </p:style>
+      </p:cxnSp>
+      <p:cxnSp>
+        <p:nvCxnSpPr>
+          <p:cNvPr id="154" name="Straight Connector 153"/>
+          <p:cNvCxnSpPr>
+            <a:stCxn id="124" idx="6"/>
+            <a:endCxn id="128" idx="2"/>
+          </p:cNvCxnSpPr>
+          <p:nvPr/>
+        </p:nvCxnSpPr>
+        <p:spPr>
+          <a:xfrm>
+            <a:off x="7377727" y="3170397"/>
+            <a:ext cx="514349" cy="182370"/>
+          </a:xfrm>
+          <a:prstGeom prst="line">
+            <a:avLst/>
+          </a:prstGeom>
+          <a:ln>
+            <a:solidFill>
+              <a:schemeClr val="tx1"/>
+            </a:solidFill>
+          </a:ln>
+        </p:spPr>
+        <p:style>
+          <a:lnRef idx="1">
+            <a:schemeClr val="accent1"/>
+          </a:lnRef>
+          <a:fillRef idx="0">
+            <a:schemeClr val="accent1"/>
+          </a:fillRef>
+          <a:effectRef idx="0">
+            <a:schemeClr val="accent1"/>
+          </a:effectRef>
+          <a:fontRef idx="minor">
+            <a:schemeClr val="tx1"/>
+          </a:fontRef>
+        </p:style>
+      </p:cxnSp>
+      <p:cxnSp>
+        <p:nvCxnSpPr>
+          <p:cNvPr id="157" name="Straight Connector 156"/>
+          <p:cNvCxnSpPr>
+            <a:stCxn id="123" idx="6"/>
+            <a:endCxn id="129" idx="2"/>
+          </p:cNvCxnSpPr>
+          <p:nvPr/>
+        </p:nvCxnSpPr>
+        <p:spPr>
+          <a:xfrm flipV="1">
+            <a:off x="7377727" y="3167220"/>
+            <a:ext cx="514349" cy="188724"/>
+          </a:xfrm>
+          <a:prstGeom prst="line">
+            <a:avLst/>
+          </a:prstGeom>
+          <a:ln>
+            <a:solidFill>
+              <a:schemeClr val="tx1"/>
+            </a:solidFill>
+          </a:ln>
+        </p:spPr>
+        <p:style>
+          <a:lnRef idx="1">
+            <a:schemeClr val="accent1"/>
+          </a:lnRef>
+          <a:fillRef idx="0">
+            <a:schemeClr val="accent1"/>
+          </a:fillRef>
+          <a:effectRef idx="0">
+            <a:schemeClr val="accent1"/>
+          </a:effectRef>
+          <a:fontRef idx="minor">
+            <a:schemeClr val="tx1"/>
+          </a:fontRef>
+        </p:style>
+      </p:cxnSp>
+      <p:cxnSp>
+        <p:nvCxnSpPr>
+          <p:cNvPr id="158" name="Straight Connector 157"/>
+          <p:cNvCxnSpPr>
+            <a:stCxn id="123" idx="6"/>
+            <a:endCxn id="128" idx="2"/>
+          </p:cNvCxnSpPr>
+          <p:nvPr/>
+        </p:nvCxnSpPr>
+        <p:spPr>
+          <a:xfrm flipV="1">
+            <a:off x="7377727" y="3352767"/>
+            <a:ext cx="514349" cy="3177"/>
+          </a:xfrm>
+          <a:prstGeom prst="line">
+            <a:avLst/>
+          </a:prstGeom>
+          <a:ln>
+            <a:solidFill>
+              <a:schemeClr val="tx1"/>
+            </a:solidFill>
+          </a:ln>
+        </p:spPr>
+        <p:style>
+          <a:lnRef idx="1">
+            <a:schemeClr val="accent1"/>
+          </a:lnRef>
+          <a:fillRef idx="0">
+            <a:schemeClr val="accent1"/>
+          </a:fillRef>
+          <a:effectRef idx="0">
+            <a:schemeClr val="accent1"/>
+          </a:effectRef>
+          <a:fontRef idx="minor">
+            <a:schemeClr val="tx1"/>
+          </a:fontRef>
+        </p:style>
+      </p:cxnSp>
+      <p:cxnSp>
+        <p:nvCxnSpPr>
+          <p:cNvPr id="163" name="Straight Connector 162"/>
+          <p:cNvCxnSpPr>
+            <a:stCxn id="125" idx="6"/>
+            <a:endCxn id="129" idx="2"/>
+          </p:cNvCxnSpPr>
+          <p:nvPr/>
+        </p:nvCxnSpPr>
+        <p:spPr>
+          <a:xfrm flipV="1">
+            <a:off x="7377727" y="3167220"/>
+            <a:ext cx="514349" cy="396724"/>
+          </a:xfrm>
+          <a:prstGeom prst="line">
+            <a:avLst/>
+          </a:prstGeom>
+          <a:ln>
+            <a:solidFill>
+              <a:schemeClr val="tx1"/>
+            </a:solidFill>
+          </a:ln>
+        </p:spPr>
+        <p:style>
+          <a:lnRef idx="1">
+            <a:schemeClr val="accent1"/>
+          </a:lnRef>
+          <a:fillRef idx="0">
+            <a:schemeClr val="accent1"/>
+          </a:fillRef>
+          <a:effectRef idx="0">
+            <a:schemeClr val="accent1"/>
+          </a:effectRef>
+          <a:fontRef idx="minor">
+            <a:schemeClr val="tx1"/>
+          </a:fontRef>
+        </p:style>
+      </p:cxnSp>
+      <p:cxnSp>
+        <p:nvCxnSpPr>
+          <p:cNvPr id="164" name="Straight Connector 163"/>
+          <p:cNvCxnSpPr>
+            <a:stCxn id="125" idx="6"/>
+            <a:endCxn id="128" idx="2"/>
+          </p:cNvCxnSpPr>
+          <p:nvPr/>
+        </p:nvCxnSpPr>
+        <p:spPr>
+          <a:xfrm flipV="1">
+            <a:off x="7377727" y="3352767"/>
+            <a:ext cx="514349" cy="211177"/>
+          </a:xfrm>
+          <a:prstGeom prst="line">
+            <a:avLst/>
+          </a:prstGeom>
+          <a:ln>
+            <a:solidFill>
+              <a:schemeClr val="tx1"/>
+            </a:solidFill>
+          </a:ln>
+        </p:spPr>
+        <p:style>
+          <a:lnRef idx="1">
+            <a:schemeClr val="accent1"/>
+          </a:lnRef>
+          <a:fillRef idx="0">
+            <a:schemeClr val="accent1"/>
+          </a:fillRef>
+          <a:effectRef idx="0">
+            <a:schemeClr val="accent1"/>
+          </a:effectRef>
+          <a:fontRef idx="minor">
+            <a:schemeClr val="tx1"/>
+          </a:fontRef>
+        </p:style>
+      </p:cxnSp>
+      <p:sp>
+        <p:nvSpPr>
+          <p:cNvPr id="116" name="Rectangle 115"/>
+          <p:cNvSpPr/>
+          <p:nvPr/>
+        </p:nvSpPr>
+        <p:spPr>
+          <a:xfrm rot="16200000">
+            <a:off x="7924230" y="3166044"/>
+            <a:ext cx="839340" cy="228600"/>
+          </a:xfrm>
+          <a:prstGeom prst="rect">
+            <a:avLst/>
+          </a:prstGeom>
+          <a:noFill/>
+          <a:ln w="12700">
+            <a:solidFill>
+              <a:schemeClr val="tx1"/>
+            </a:solidFill>
+          </a:ln>
+          <a:scene3d>
+            <a:camera prst="orthographicFront"/>
+            <a:lightRig rig="threePt" dir="t"/>
+          </a:scene3d>
+          <a:sp3d>
+            <a:bevelB prst="angle"/>
+          </a:sp3d>
+        </p:spPr>
+        <p:style>
+          <a:lnRef idx="2">
+            <a:schemeClr val="accent1">
+              <a:shade val="50000"/>
+            </a:schemeClr>
+          </a:lnRef>
+          <a:fillRef idx="1">
+            <a:schemeClr val="accent1"/>
+          </a:fillRef>
+          <a:effectRef idx="0">
+            <a:schemeClr val="accent1"/>
+          </a:effectRef>
+          <a:fontRef idx="minor">
+            <a:schemeClr val="lt1"/>
+          </a:fontRef>
+        </p:style>
+        <p:txBody>
+          <a:bodyPr rtlCol="0" anchor="ctr"/>
+          <a:lstStyle/>
+          <a:p>
+            <a:pPr algn="ctr"/>
+            <a:r>
+              <a:rPr lang="en-US" sz="1050" dirty="0" err="1" smtClean="0">
+                <a:solidFill>
+                  <a:schemeClr val="tx1"/>
+                </a:solidFill>
+              </a:rPr>
+              <a:t>Softmaxloss</a:t>
+            </a:r>
+            <a:endParaRPr lang="en-US" sz="700" dirty="0" smtClean="0">
+              <a:solidFill>
+                <a:schemeClr val="tx1"/>
+              </a:solidFill>
+            </a:endParaRPr>
+          </a:p>
+        </p:txBody>
+      </p:sp>
+    </p:spTree>
+    <p:extLst>
+      <p:ext uri="{BB962C8B-B14F-4D97-AF65-F5344CB8AC3E}">
+        <p14:creationId xmlns:p14="http://schemas.microsoft.com/office/powerpoint/2010/main" val="2716722583"/>
+      </p:ext>
+    </p:extLst>
+  </p:cSld>
+  <p:clrMapOvr>
+    <a:masterClrMapping/>
+  </p:clrMapOvr>
+  <p:timing>
+    <p:tnLst>
+      <p:par>
+        <p:cTn id="1" dur="indefinite" restart="never" nodeType="tmRoot"/>
+      </p:par>
+    </p:tnLst>
+  </p:timing>
+</p:sld>
+</file>
+
+<file path=ppt/slides/slide3.xml><?xml version="1.0" encoding="utf-8"?>
+<p:sld xmlns:a="http://schemas.openxmlformats.org/drawingml/2006/main" xmlns:r="http://schemas.openxmlformats.org/officeDocument/2006/relationships" xmlns:p="http://schemas.openxmlformats.org/presentationml/2006/main">
+  <p:cSld>
+    <p:spTree>
+      <p:nvGrpSpPr>
+        <p:cNvPr id="1" name=""/>
+        <p:cNvGrpSpPr/>
+        <p:nvPr/>
+      </p:nvGrpSpPr>
+      <p:grpSpPr>
+        <a:xfrm>
+          <a:off x="0" y="0"/>
+          <a:ext cx="0" cy="0"/>
+          <a:chOff x="0" y="0"/>
+          <a:chExt cx="0" cy="0"/>
+        </a:xfrm>
+      </p:grpSpPr>
+      <p:pic>
+        <p:nvPicPr>
+          <p:cNvPr id="9" name="Picture 8"/>
+          <p:cNvPicPr>
+            <a:picLocks noChangeAspect="1"/>
+          </p:cNvPicPr>
+          <p:nvPr/>
+        </p:nvPicPr>
+        <p:blipFill rotWithShape="1">
+          <a:blip r:embed="rId2">
+            <a:extLst>
+              <a:ext uri="{28A0092B-C50C-407E-A947-70E740481C1C}">
+                <a14:useLocalDpi xmlns:a14="http://schemas.microsoft.com/office/drawing/2010/main" val="0"/>
+              </a:ext>
+            </a:extLst>
+          </a:blip>
+          <a:srcRect l="33477" t="11376" r="33046" b="24161"/>
+          <a:stretch/>
+        </p:blipFill>
+        <p:spPr>
+          <a:xfrm>
+            <a:off x="307173" y="2438398"/>
+            <a:ext cx="568694" cy="966779"/>
+          </a:xfrm>
+          <a:prstGeom prst="rect">
+            <a:avLst/>
+          </a:prstGeom>
+        </p:spPr>
+      </p:pic>
+      <p:pic>
+        <p:nvPicPr>
+          <p:cNvPr id="17" name="Picture 16"/>
+          <p:cNvPicPr>
+            <a:picLocks noChangeAspect="1"/>
+          </p:cNvPicPr>
+          <p:nvPr/>
+        </p:nvPicPr>
+        <p:blipFill rotWithShape="1">
+          <a:blip r:embed="rId3">
+            <a:extLst>
+              <a:ext uri="{28A0092B-C50C-407E-A947-70E740481C1C}">
+                <a14:useLocalDpi xmlns:a14="http://schemas.microsoft.com/office/drawing/2010/main" val="0"/>
+              </a:ext>
+            </a:extLst>
+          </a:blip>
+          <a:srcRect l="32769" t="7620" r="30083" b="10465"/>
+          <a:stretch/>
+        </p:blipFill>
+        <p:spPr>
+          <a:xfrm>
+            <a:off x="4325985" y="1727996"/>
+            <a:ext cx="1438493" cy="2379047"/>
+          </a:xfrm>
+          <a:prstGeom prst="rect">
+            <a:avLst/>
+          </a:prstGeom>
+        </p:spPr>
+      </p:pic>
+      <p:pic>
+        <p:nvPicPr>
+          <p:cNvPr id="18" name="Picture 17"/>
+          <p:cNvPicPr>
+            <a:picLocks noChangeAspect="1"/>
+          </p:cNvPicPr>
+          <p:nvPr/>
+        </p:nvPicPr>
+        <p:blipFill rotWithShape="1">
+          <a:blip r:embed="rId4" cstate="print">
+            <a:extLst>
+              <a:ext uri="{28A0092B-C50C-407E-A947-70E740481C1C}">
+                <a14:useLocalDpi xmlns:a14="http://schemas.microsoft.com/office/drawing/2010/main" val="0"/>
+              </a:ext>
+            </a:extLst>
+          </a:blip>
+          <a:srcRect l="25717" t="6793" r="21418" b="9387"/>
+          <a:stretch/>
+        </p:blipFill>
+        <p:spPr>
+          <a:xfrm>
+            <a:off x="3269515" y="2369605"/>
+            <a:ext cx="928658" cy="1104350"/>
+          </a:xfrm>
+          <a:prstGeom prst="rect">
+            <a:avLst/>
+          </a:prstGeom>
+        </p:spPr>
+      </p:pic>
+      <p:pic>
+        <p:nvPicPr>
+          <p:cNvPr id="19" name="Picture 18"/>
+          <p:cNvPicPr>
+            <a:picLocks noChangeAspect="1"/>
+          </p:cNvPicPr>
+          <p:nvPr/>
+        </p:nvPicPr>
+        <p:blipFill rotWithShape="1">
+          <a:blip r:embed="rId5" cstate="print">
+            <a:extLst>
+              <a:ext uri="{28A0092B-C50C-407E-A947-70E740481C1C}">
+                <a14:useLocalDpi xmlns:a14="http://schemas.microsoft.com/office/drawing/2010/main" val="0"/>
+              </a:ext>
+            </a:extLst>
+          </a:blip>
+          <a:srcRect l="14379" t="6423" r="11325" b="9757"/>
+          <a:stretch/>
+        </p:blipFill>
+        <p:spPr>
+          <a:xfrm>
+            <a:off x="1006612" y="2658815"/>
+            <a:ext cx="621563" cy="525938"/>
+          </a:xfrm>
+          <a:prstGeom prst="rect">
+            <a:avLst/>
+          </a:prstGeom>
+        </p:spPr>
+      </p:pic>
+      <p:pic>
+        <p:nvPicPr>
+          <p:cNvPr id="20" name="Picture 19"/>
+          <p:cNvPicPr>
+            <a:picLocks noChangeAspect="1"/>
+          </p:cNvPicPr>
+          <p:nvPr/>
+        </p:nvPicPr>
+        <p:blipFill rotWithShape="1">
+          <a:blip r:embed="rId6">
+            <a:extLst>
+              <a:ext uri="{28A0092B-C50C-407E-A947-70E740481C1C}">
+                <a14:useLocalDpi xmlns:a14="http://schemas.microsoft.com/office/drawing/2010/main" val="0"/>
+              </a:ext>
+            </a:extLst>
+          </a:blip>
+          <a:srcRect l="29912" t="6423" r="25797" b="9757"/>
+          <a:stretch/>
+        </p:blipFill>
+        <p:spPr>
+          <a:xfrm>
+            <a:off x="1806153" y="2002000"/>
+            <a:ext cx="1296053" cy="1839561"/>
+          </a:xfrm>
+          <a:prstGeom prst="rect">
+            <a:avLst/>
+          </a:prstGeom>
+        </p:spPr>
+      </p:pic>
+      <p:pic>
+        <p:nvPicPr>
+          <p:cNvPr id="21" name="Picture 20"/>
+          <p:cNvPicPr>
+            <a:picLocks noChangeAspect="1"/>
+          </p:cNvPicPr>
+          <p:nvPr/>
+        </p:nvPicPr>
+        <p:blipFill rotWithShape="1">
+          <a:blip r:embed="rId7" cstate="print">
+            <a:extLst>
+              <a:ext uri="{28A0092B-C50C-407E-A947-70E740481C1C}">
+                <a14:useLocalDpi xmlns:a14="http://schemas.microsoft.com/office/drawing/2010/main" val="0"/>
+              </a:ext>
+            </a:extLst>
+          </a:blip>
+          <a:srcRect l="24283" t="6185" r="21424" b="9995"/>
+          <a:stretch/>
+        </p:blipFill>
+        <p:spPr>
+          <a:xfrm>
+            <a:off x="5910869" y="2218043"/>
+            <a:ext cx="1191728" cy="1379895"/>
+          </a:xfrm>
+          <a:prstGeom prst="rect">
+            <a:avLst/>
+          </a:prstGeom>
+        </p:spPr>
+      </p:pic>
+      <p:pic>
+        <p:nvPicPr>
+          <p:cNvPr id="22" name="Picture 21"/>
+          <p:cNvPicPr>
+            <a:picLocks noChangeAspect="1"/>
+          </p:cNvPicPr>
+          <p:nvPr/>
+        </p:nvPicPr>
+        <p:blipFill rotWithShape="1">
+          <a:blip r:embed="rId8">
+            <a:extLst>
+              <a:ext uri="{28A0092B-C50C-407E-A947-70E740481C1C}">
+                <a14:useLocalDpi xmlns:a14="http://schemas.microsoft.com/office/drawing/2010/main" val="0"/>
+              </a:ext>
+            </a:extLst>
+          </a:blip>
+          <a:srcRect l="34284" t="6185" r="29997" b="9995"/>
+          <a:stretch/>
+        </p:blipFill>
+        <p:spPr>
+          <a:xfrm>
+            <a:off x="7305174" y="1692156"/>
+            <a:ext cx="1381626" cy="2431662"/>
+          </a:xfrm>
+          <a:prstGeom prst="rect">
+            <a:avLst/>
+          </a:prstGeom>
+        </p:spPr>
+      </p:pic>
+      <p:cxnSp>
+        <p:nvCxnSpPr>
+          <p:cNvPr id="23" name="Straight Arrow Connector 22"/>
+          <p:cNvCxnSpPr/>
+          <p:nvPr/>
+        </p:nvCxnSpPr>
+        <p:spPr>
+          <a:xfrm>
+            <a:off x="838200" y="2921784"/>
+            <a:ext cx="191189" cy="3"/>
+          </a:xfrm>
+          <a:prstGeom prst="straightConnector1">
+            <a:avLst/>
+          </a:prstGeom>
+          <a:ln w="15875">
+            <a:solidFill>
+              <a:schemeClr val="tx1"/>
+            </a:solidFill>
+            <a:tailEnd type="arrow"/>
+          </a:ln>
+        </p:spPr>
+        <p:style>
+          <a:lnRef idx="1">
+            <a:schemeClr val="accent1"/>
+          </a:lnRef>
+          <a:fillRef idx="0">
+            <a:schemeClr val="accent1"/>
+          </a:fillRef>
+          <a:effectRef idx="0">
+            <a:schemeClr val="accent1"/>
+          </a:effectRef>
+          <a:fontRef idx="minor">
+            <a:schemeClr val="tx1"/>
+          </a:fontRef>
+        </p:style>
+      </p:cxnSp>
+      <p:cxnSp>
+        <p:nvCxnSpPr>
+          <p:cNvPr id="35" name="Straight Arrow Connector 34"/>
+          <p:cNvCxnSpPr/>
+          <p:nvPr/>
+        </p:nvCxnSpPr>
+        <p:spPr>
+          <a:xfrm>
+            <a:off x="1626730" y="2921781"/>
+            <a:ext cx="191189" cy="3"/>
+          </a:xfrm>
+          <a:prstGeom prst="straightConnector1">
+            <a:avLst/>
+          </a:prstGeom>
+          <a:ln w="15875">
+            <a:solidFill>
+              <a:schemeClr val="tx1"/>
+            </a:solidFill>
+            <a:tailEnd type="arrow"/>
+          </a:ln>
+        </p:spPr>
+        <p:style>
+          <a:lnRef idx="1">
+            <a:schemeClr val="accent1"/>
+          </a:lnRef>
+          <a:fillRef idx="0">
+            <a:schemeClr val="accent1"/>
+          </a:fillRef>
+          <a:effectRef idx="0">
+            <a:schemeClr val="accent1"/>
+          </a:effectRef>
+          <a:fontRef idx="minor">
+            <a:schemeClr val="tx1"/>
+          </a:fontRef>
+        </p:style>
+      </p:cxnSp>
+      <p:cxnSp>
+        <p:nvCxnSpPr>
+          <p:cNvPr id="36" name="Straight Arrow Connector 35"/>
+          <p:cNvCxnSpPr/>
+          <p:nvPr/>
+        </p:nvCxnSpPr>
+        <p:spPr>
+          <a:xfrm>
+            <a:off x="3087260" y="2921780"/>
+            <a:ext cx="191189" cy="3"/>
+          </a:xfrm>
+          <a:prstGeom prst="straightConnector1">
+            <a:avLst/>
+          </a:prstGeom>
+          <a:ln w="15875">
+            <a:solidFill>
+              <a:schemeClr val="tx1"/>
+            </a:solidFill>
+            <a:tailEnd type="arrow"/>
+          </a:ln>
+        </p:spPr>
+        <p:style>
+          <a:lnRef idx="1">
+            <a:schemeClr val="accent1"/>
+          </a:lnRef>
+          <a:fillRef idx="0">
+            <a:schemeClr val="accent1"/>
+          </a:fillRef>
+          <a:effectRef idx="0">
+            <a:schemeClr val="accent1"/>
+          </a:effectRef>
+          <a:fontRef idx="minor">
+            <a:schemeClr val="tx1"/>
+          </a:fontRef>
+        </p:style>
+      </p:cxnSp>
+      <p:cxnSp>
+        <p:nvCxnSpPr>
+          <p:cNvPr id="37" name="Straight Arrow Connector 36"/>
+          <p:cNvCxnSpPr/>
+          <p:nvPr/>
+        </p:nvCxnSpPr>
+        <p:spPr>
+          <a:xfrm>
+            <a:off x="4192124" y="2917520"/>
+            <a:ext cx="191189" cy="3"/>
+          </a:xfrm>
+          <a:prstGeom prst="straightConnector1">
+            <a:avLst/>
+          </a:prstGeom>
+          <a:ln w="15875">
+            <a:solidFill>
+              <a:schemeClr val="tx1"/>
+            </a:solidFill>
+            <a:tailEnd type="arrow"/>
+          </a:ln>
+        </p:spPr>
+        <p:style>
+          <a:lnRef idx="1">
+            <a:schemeClr val="accent1"/>
+          </a:lnRef>
+          <a:fillRef idx="0">
+            <a:schemeClr val="accent1"/>
+          </a:fillRef>
+          <a:effectRef idx="0">
+            <a:schemeClr val="accent1"/>
+          </a:effectRef>
+          <a:fontRef idx="minor">
+            <a:schemeClr val="tx1"/>
+          </a:fontRef>
+        </p:style>
+      </p:cxnSp>
+      <p:cxnSp>
+        <p:nvCxnSpPr>
+          <p:cNvPr id="38" name="Straight Arrow Connector 37"/>
+          <p:cNvCxnSpPr/>
+          <p:nvPr/>
+        </p:nvCxnSpPr>
+        <p:spPr>
+          <a:xfrm>
+            <a:off x="5752411" y="2907991"/>
+            <a:ext cx="191189" cy="3"/>
+          </a:xfrm>
+          <a:prstGeom prst="straightConnector1">
+            <a:avLst/>
+          </a:prstGeom>
+          <a:ln w="15875">
+            <a:solidFill>
+              <a:schemeClr val="tx1"/>
+            </a:solidFill>
+            <a:tailEnd type="arrow"/>
+          </a:ln>
+        </p:spPr>
+        <p:style>
+          <a:lnRef idx="1">
+            <a:schemeClr val="accent1"/>
+          </a:lnRef>
+          <a:fillRef idx="0">
+            <a:schemeClr val="accent1"/>
+          </a:fillRef>
+          <a:effectRef idx="0">
+            <a:schemeClr val="accent1"/>
+          </a:effectRef>
+          <a:fontRef idx="minor">
+            <a:schemeClr val="tx1"/>
+          </a:fontRef>
+        </p:style>
+      </p:cxnSp>
+      <p:cxnSp>
+        <p:nvCxnSpPr>
+          <p:cNvPr id="39" name="Straight Arrow Connector 38"/>
+          <p:cNvCxnSpPr/>
+          <p:nvPr/>
+        </p:nvCxnSpPr>
+        <p:spPr>
+          <a:xfrm>
+            <a:off x="7102597" y="2907987"/>
+            <a:ext cx="191189" cy="3"/>
+          </a:xfrm>
+          <a:prstGeom prst="straightConnector1">
+            <a:avLst/>
+          </a:prstGeom>
+          <a:ln w="15875">
+            <a:solidFill>
+              <a:schemeClr val="tx1"/>
+            </a:solidFill>
+            <a:tailEnd type="arrow"/>
+          </a:ln>
+        </p:spPr>
+        <p:style>
+          <a:lnRef idx="1">
+            <a:schemeClr val="accent1"/>
+          </a:lnRef>
+          <a:fillRef idx="0">
+            <a:schemeClr val="accent1"/>
+          </a:fillRef>
+          <a:effectRef idx="0">
+            <a:schemeClr val="accent1"/>
+          </a:effectRef>
+          <a:fontRef idx="minor">
+            <a:schemeClr val="tx1"/>
+          </a:fontRef>
+        </p:style>
+      </p:cxnSp>
+      <p:sp>
+        <p:nvSpPr>
+          <p:cNvPr id="40" name="TextBox 39"/>
+          <p:cNvSpPr txBox="1"/>
+          <p:nvPr/>
+        </p:nvSpPr>
+        <p:spPr>
+          <a:xfrm>
+            <a:off x="324405" y="3352800"/>
+            <a:ext cx="1047195" cy="253916"/>
+          </a:xfrm>
+          <a:prstGeom prst="rect">
+            <a:avLst/>
+          </a:prstGeom>
+          <a:noFill/>
+        </p:spPr>
+        <p:txBody>
+          <a:bodyPr wrap="square" rtlCol="0">
+            <a:spAutoFit/>
+          </a:bodyPr>
+          <a:lstStyle/>
+          <a:p>
+            <a:r>
+              <a:rPr lang="en-US" sz="1050" dirty="0" smtClean="0"/>
+              <a:t>Input</a:t>
+            </a:r>
+            <a:endParaRPr lang="en-US" sz="1050" dirty="0" smtClean="0"/>
+          </a:p>
+        </p:txBody>
+      </p:sp>
+      <p:sp>
+        <p:nvSpPr>
+          <p:cNvPr id="41" name="TextBox 40"/>
+          <p:cNvSpPr txBox="1"/>
+          <p:nvPr/>
+        </p:nvSpPr>
+        <p:spPr>
+          <a:xfrm>
+            <a:off x="901577" y="3184750"/>
+            <a:ext cx="776764" cy="415498"/>
+          </a:xfrm>
+          <a:prstGeom prst="rect">
+            <a:avLst/>
+          </a:prstGeom>
+          <a:noFill/>
+        </p:spPr>
+        <p:txBody>
+          <a:bodyPr wrap="square" rtlCol="0">
+            <a:spAutoFit/>
+          </a:bodyPr>
+          <a:lstStyle/>
+          <a:p>
+            <a:pPr algn="ctr"/>
+            <a:r>
+              <a:rPr lang="en-US" sz="1050" dirty="0" smtClean="0"/>
+              <a:t>40 feature maps</a:t>
+            </a:r>
+            <a:endParaRPr lang="en-US" sz="1050" dirty="0" smtClean="0"/>
+          </a:p>
+        </p:txBody>
+      </p:sp>
+      <p:sp>
+        <p:nvSpPr>
+          <p:cNvPr id="42" name="TextBox 41"/>
+          <p:cNvSpPr txBox="1"/>
+          <p:nvPr/>
+        </p:nvSpPr>
+        <p:spPr>
+          <a:xfrm>
+            <a:off x="1930581" y="3841561"/>
+            <a:ext cx="1047195" cy="415498"/>
+          </a:xfrm>
+          <a:prstGeom prst="rect">
+            <a:avLst/>
+          </a:prstGeom>
+          <a:noFill/>
+        </p:spPr>
+        <p:txBody>
+          <a:bodyPr wrap="square" rtlCol="0">
+            <a:spAutoFit/>
+          </a:bodyPr>
+          <a:lstStyle/>
+          <a:p>
+            <a:pPr algn="ctr"/>
+            <a:r>
+              <a:rPr lang="en-US" sz="1050" dirty="0" smtClean="0"/>
+              <a:t>Filtered </a:t>
+            </a:r>
+          </a:p>
+          <a:p>
+            <a:pPr algn="ctr"/>
+            <a:r>
+              <a:rPr lang="en-US" sz="1050" dirty="0" smtClean="0"/>
+              <a:t>Images</a:t>
+            </a:r>
+          </a:p>
+        </p:txBody>
+      </p:sp>
+      <p:sp>
+        <p:nvSpPr>
+          <p:cNvPr id="43" name="TextBox 42"/>
+          <p:cNvSpPr txBox="1"/>
+          <p:nvPr/>
+        </p:nvSpPr>
+        <p:spPr>
+          <a:xfrm>
+            <a:off x="3276600" y="3429000"/>
+            <a:ext cx="854911" cy="415498"/>
+          </a:xfrm>
+          <a:prstGeom prst="rect">
+            <a:avLst/>
+          </a:prstGeom>
+          <a:noFill/>
+        </p:spPr>
+        <p:txBody>
+          <a:bodyPr wrap="square" rtlCol="0">
+            <a:spAutoFit/>
+          </a:bodyPr>
+          <a:lstStyle/>
+          <a:p>
+            <a:pPr algn="ctr"/>
+            <a:r>
+              <a:rPr lang="en-US" sz="1050" dirty="0" smtClean="0"/>
+              <a:t>100 feature maps</a:t>
+            </a:r>
+            <a:endParaRPr lang="en-US" sz="1050" dirty="0" smtClean="0"/>
+          </a:p>
+        </p:txBody>
+      </p:sp>
+      <p:sp>
+        <p:nvSpPr>
+          <p:cNvPr id="44" name="TextBox 43"/>
+          <p:cNvSpPr txBox="1"/>
+          <p:nvPr/>
+        </p:nvSpPr>
+        <p:spPr>
+          <a:xfrm>
+            <a:off x="4518472" y="4097518"/>
+            <a:ext cx="1047195" cy="415498"/>
+          </a:xfrm>
+          <a:prstGeom prst="rect">
+            <a:avLst/>
+          </a:prstGeom>
+          <a:noFill/>
+        </p:spPr>
+        <p:txBody>
+          <a:bodyPr wrap="square" rtlCol="0">
+            <a:spAutoFit/>
+          </a:bodyPr>
+          <a:lstStyle/>
+          <a:p>
+            <a:pPr algn="ctr"/>
+            <a:r>
+              <a:rPr lang="en-US" sz="1050" dirty="0" smtClean="0"/>
+              <a:t>Filtered </a:t>
+            </a:r>
+          </a:p>
+          <a:p>
+            <a:pPr algn="ctr"/>
+            <a:r>
+              <a:rPr lang="en-US" sz="1050" dirty="0" smtClean="0"/>
+              <a:t>Images</a:t>
+            </a:r>
+          </a:p>
+        </p:txBody>
+      </p:sp>
+      <p:sp>
+        <p:nvSpPr>
+          <p:cNvPr id="45" name="TextBox 44"/>
+          <p:cNvSpPr txBox="1"/>
+          <p:nvPr/>
+        </p:nvSpPr>
+        <p:spPr>
+          <a:xfrm>
+            <a:off x="6107370" y="3624001"/>
+            <a:ext cx="854911" cy="415498"/>
+          </a:xfrm>
+          <a:prstGeom prst="rect">
+            <a:avLst/>
+          </a:prstGeom>
+          <a:noFill/>
+        </p:spPr>
+        <p:txBody>
+          <a:bodyPr wrap="square" rtlCol="0">
+            <a:spAutoFit/>
+          </a:bodyPr>
+          <a:lstStyle/>
+          <a:p>
+            <a:pPr algn="ctr"/>
+            <a:r>
+              <a:rPr lang="en-US" sz="1050" dirty="0"/>
+              <a:t>2</a:t>
+            </a:r>
+            <a:r>
+              <a:rPr lang="en-US" sz="1050" dirty="0" smtClean="0"/>
+              <a:t>00 feature maps</a:t>
+            </a:r>
+            <a:endParaRPr lang="en-US" sz="1050" dirty="0" smtClean="0"/>
+          </a:p>
+        </p:txBody>
+      </p:sp>
+      <p:sp>
+        <p:nvSpPr>
+          <p:cNvPr id="46" name="TextBox 45"/>
+          <p:cNvSpPr txBox="1"/>
+          <p:nvPr/>
+        </p:nvSpPr>
+        <p:spPr>
+          <a:xfrm>
+            <a:off x="7543800" y="4080302"/>
+            <a:ext cx="1047195" cy="415498"/>
+          </a:xfrm>
+          <a:prstGeom prst="rect">
+            <a:avLst/>
+          </a:prstGeom>
+          <a:noFill/>
+        </p:spPr>
+        <p:txBody>
+          <a:bodyPr wrap="square" rtlCol="0">
+            <a:spAutoFit/>
+          </a:bodyPr>
+          <a:lstStyle/>
+          <a:p>
+            <a:pPr algn="ctr"/>
+            <a:r>
+              <a:rPr lang="en-US" sz="1050" dirty="0" smtClean="0"/>
+              <a:t>Input to fully connected NN</a:t>
+            </a:r>
+            <a:endParaRPr lang="en-US" sz="1050" dirty="0" smtClean="0"/>
+          </a:p>
+        </p:txBody>
+      </p:sp>
+    </p:spTree>
+    <p:extLst>
+      <p:ext uri="{BB962C8B-B14F-4D97-AF65-F5344CB8AC3E}">
+        <p14:creationId xmlns:p14="http://schemas.microsoft.com/office/powerpoint/2010/main" val="455877654"/>
+      </p:ext>
+    </p:extLst>
+  </p:cSld>
+  <p:clrMapOvr>
+    <a:masterClrMapping/>
+  </p:clrMapOvr>
+</p:sld>
+</file>
+
 <file path=ppt/theme/theme1.xml><?xml version="1.0" encoding="utf-8"?>
 <a:theme xmlns:a="http://schemas.openxmlformats.org/drawingml/2006/main" name="Office Theme">
   <a:themeElements>
